--- a/relatorio.pptx
+++ b/relatorio.pptx
@@ -9,11 +9,13 @@
     <p:sldId id="257" r:id="rId3"/>
     <p:sldId id="264" r:id="rId4"/>
     <p:sldId id="265" r:id="rId5"/>
-    <p:sldId id="258" r:id="rId6"/>
-    <p:sldId id="261" r:id="rId7"/>
-    <p:sldId id="259" r:id="rId8"/>
-    <p:sldId id="260" r:id="rId9"/>
-    <p:sldId id="262" r:id="rId10"/>
+    <p:sldId id="266" r:id="rId6"/>
+    <p:sldId id="258" r:id="rId7"/>
+    <p:sldId id="268" r:id="rId8"/>
+    <p:sldId id="261" r:id="rId9"/>
+    <p:sldId id="267" r:id="rId10"/>
+    <p:sldId id="259" r:id="rId11"/>
+    <p:sldId id="260" r:id="rId12"/>
   </p:sldIdLst>
   <p:sldSz cx="12192000" cy="6858000"/>
   <p:notesSz cx="6858000" cy="9144000"/>
@@ -124,6 +126,1024 @@
 <p1510:revInfo xmlns:a="http://schemas.openxmlformats.org/drawingml/2006/main" xmlns:r="http://schemas.openxmlformats.org/officeDocument/2006/relationships" xmlns:p1510="http://schemas.microsoft.com/office/powerpoint/2015/10/main"/>
 </file>
 
+<file path=ppt/charts/chart1.xml><?xml version="1.0" encoding="utf-8"?>
+<c:chartSpace xmlns:c="http://schemas.openxmlformats.org/drawingml/2006/chart" xmlns:a="http://schemas.openxmlformats.org/drawingml/2006/main" xmlns:r="http://schemas.openxmlformats.org/officeDocument/2006/relationships" xmlns:c16r2="http://schemas.microsoft.com/office/drawing/2015/06/chart">
+  <c:date1904 val="0"/>
+  <c:lang val="pt-BR"/>
+  <c:roundedCorners val="0"/>
+  <mc:AlternateContent xmlns:mc="http://schemas.openxmlformats.org/markup-compatibility/2006">
+    <mc:Choice xmlns:c14="http://schemas.microsoft.com/office/drawing/2007/8/2/chart" Requires="c14">
+      <c14:style val="102"/>
+    </mc:Choice>
+    <mc:Fallback>
+      <c:style val="2"/>
+    </mc:Fallback>
+  </mc:AlternateContent>
+  <c:chart>
+    <c:title>
+      <c:tx>
+        <c:rich>
+          <a:bodyPr rot="0" spcFirstLastPara="1" vertOverflow="ellipsis" vert="horz" wrap="square" anchor="ctr" anchorCtr="1"/>
+          <a:lstStyle/>
+          <a:p>
+            <a:pPr>
+              <a:defRPr sz="1862" b="0" i="0" u="none" strike="noStrike" kern="1200" spc="0" baseline="0">
+                <a:solidFill>
+                  <a:schemeClr val="tx1">
+                    <a:lumMod val="65000"/>
+                    <a:lumOff val="35000"/>
+                  </a:schemeClr>
+                </a:solidFill>
+                <a:latin typeface="+mn-lt"/>
+                <a:ea typeface="+mn-ea"/>
+                <a:cs typeface="+mn-cs"/>
+              </a:defRPr>
+            </a:pPr>
+            <a:r>
+              <a:rPr lang="pt-BR" dirty="0"/>
+              <a:t>Informativo</a:t>
+            </a:r>
+          </a:p>
+        </c:rich>
+      </c:tx>
+      <c:overlay val="0"/>
+      <c:spPr>
+        <a:noFill/>
+        <a:ln>
+          <a:noFill/>
+        </a:ln>
+        <a:effectLst/>
+      </c:spPr>
+      <c:txPr>
+        <a:bodyPr rot="0" spcFirstLastPara="1" vertOverflow="ellipsis" vert="horz" wrap="square" anchor="ctr" anchorCtr="1"/>
+        <a:lstStyle/>
+        <a:p>
+          <a:pPr>
+            <a:defRPr sz="1862" b="0" i="0" u="none" strike="noStrike" kern="1200" spc="0" baseline="0">
+              <a:solidFill>
+                <a:schemeClr val="tx1">
+                  <a:lumMod val="65000"/>
+                  <a:lumOff val="35000"/>
+                </a:schemeClr>
+              </a:solidFill>
+              <a:latin typeface="+mn-lt"/>
+              <a:ea typeface="+mn-ea"/>
+              <a:cs typeface="+mn-cs"/>
+            </a:defRPr>
+          </a:pPr>
+          <a:endParaRPr lang="pt-BR"/>
+        </a:p>
+      </c:txPr>
+    </c:title>
+    <c:autoTitleDeleted val="0"/>
+    <c:plotArea>
+      <c:layout/>
+      <c:barChart>
+        <c:barDir val="col"/>
+        <c:grouping val="clustered"/>
+        <c:varyColors val="0"/>
+        <c:ser>
+          <c:idx val="0"/>
+          <c:order val="0"/>
+          <c:tx>
+            <c:strRef>
+              <c:f>Planilha1!$B$1</c:f>
+              <c:strCache>
+                <c:ptCount val="1"/>
+                <c:pt idx="0">
+                  <c:v>Alunos</c:v>
+                </c:pt>
+              </c:strCache>
+            </c:strRef>
+          </c:tx>
+          <c:spPr>
+            <a:solidFill>
+              <a:schemeClr val="accent1"/>
+            </a:solidFill>
+            <a:ln>
+              <a:noFill/>
+            </a:ln>
+            <a:effectLst/>
+          </c:spPr>
+          <c:invertIfNegative val="0"/>
+          <c:cat>
+            <c:strRef>
+              <c:f>Planilha1!$A$2:$A$5</c:f>
+              <c:strCache>
+                <c:ptCount val="4"/>
+                <c:pt idx="0">
+                  <c:v>Favorável ao Fórum</c:v>
+                </c:pt>
+                <c:pt idx="1">
+                  <c:v>Reclamação referente ao hardware</c:v>
+                </c:pt>
+                <c:pt idx="2">
+                  <c:v>Reclamação referente à softwares e redes </c:v>
+                </c:pt>
+                <c:pt idx="3">
+                  <c:v>Reclamação referente à falta de informação aprensentada no site </c:v>
+                </c:pt>
+              </c:strCache>
+            </c:strRef>
+          </c:cat>
+          <c:val>
+            <c:numRef>
+              <c:f>Planilha1!$B$2:$B$5</c:f>
+              <c:numCache>
+                <c:formatCode>General</c:formatCode>
+                <c:ptCount val="4"/>
+                <c:pt idx="0">
+                  <c:v>6</c:v>
+                </c:pt>
+                <c:pt idx="1">
+                  <c:v>4</c:v>
+                </c:pt>
+                <c:pt idx="2">
+                  <c:v>5</c:v>
+                </c:pt>
+                <c:pt idx="3">
+                  <c:v>7</c:v>
+                </c:pt>
+              </c:numCache>
+            </c:numRef>
+          </c:val>
+          <c:extLst>
+            <c:ext xmlns:c16="http://schemas.microsoft.com/office/drawing/2014/chart" uri="{C3380CC4-5D6E-409C-BE32-E72D297353CC}">
+              <c16:uniqueId val="{00000000-9414-4064-91B5-EE4FD92E1610}"/>
+            </c:ext>
+          </c:extLst>
+        </c:ser>
+        <c:ser>
+          <c:idx val="1"/>
+          <c:order val="1"/>
+          <c:tx>
+            <c:strRef>
+              <c:f>Planilha1!$C$1</c:f>
+              <c:strCache>
+                <c:ptCount val="1"/>
+                <c:pt idx="0">
+                  <c:v>Docentes</c:v>
+                </c:pt>
+              </c:strCache>
+            </c:strRef>
+          </c:tx>
+          <c:spPr>
+            <a:solidFill>
+              <a:schemeClr val="accent2"/>
+            </a:solidFill>
+            <a:ln>
+              <a:noFill/>
+            </a:ln>
+            <a:effectLst/>
+          </c:spPr>
+          <c:invertIfNegative val="0"/>
+          <c:cat>
+            <c:strRef>
+              <c:f>Planilha1!$A$2:$A$5</c:f>
+              <c:strCache>
+                <c:ptCount val="4"/>
+                <c:pt idx="0">
+                  <c:v>Favorável ao Fórum</c:v>
+                </c:pt>
+                <c:pt idx="1">
+                  <c:v>Reclamação referente ao hardware</c:v>
+                </c:pt>
+                <c:pt idx="2">
+                  <c:v>Reclamação referente à softwares e redes </c:v>
+                </c:pt>
+                <c:pt idx="3">
+                  <c:v>Reclamação referente à falta de informação aprensentada no site </c:v>
+                </c:pt>
+              </c:strCache>
+            </c:strRef>
+          </c:cat>
+          <c:val>
+            <c:numRef>
+              <c:f>Planilha1!$C$2:$C$5</c:f>
+              <c:numCache>
+                <c:formatCode>General</c:formatCode>
+                <c:ptCount val="4"/>
+                <c:pt idx="0">
+                  <c:v>3</c:v>
+                </c:pt>
+                <c:pt idx="1">
+                  <c:v>3</c:v>
+                </c:pt>
+                <c:pt idx="2">
+                  <c:v>3</c:v>
+                </c:pt>
+                <c:pt idx="3">
+                  <c:v>2</c:v>
+                </c:pt>
+              </c:numCache>
+            </c:numRef>
+          </c:val>
+          <c:extLst>
+            <c:ext xmlns:c16="http://schemas.microsoft.com/office/drawing/2014/chart" uri="{C3380CC4-5D6E-409C-BE32-E72D297353CC}">
+              <c16:uniqueId val="{00000001-9414-4064-91B5-EE4FD92E1610}"/>
+            </c:ext>
+          </c:extLst>
+        </c:ser>
+        <c:ser>
+          <c:idx val="2"/>
+          <c:order val="2"/>
+          <c:tx>
+            <c:strRef>
+              <c:f>Planilha1!$D$1</c:f>
+              <c:strCache>
+                <c:ptCount val="1"/>
+                <c:pt idx="0">
+                  <c:v>Ambos</c:v>
+                </c:pt>
+              </c:strCache>
+            </c:strRef>
+          </c:tx>
+          <c:spPr>
+            <a:solidFill>
+              <a:schemeClr val="accent3"/>
+            </a:solidFill>
+            <a:ln>
+              <a:noFill/>
+            </a:ln>
+            <a:effectLst/>
+          </c:spPr>
+          <c:invertIfNegative val="0"/>
+          <c:cat>
+            <c:strRef>
+              <c:f>Planilha1!$A$2:$A$5</c:f>
+              <c:strCache>
+                <c:ptCount val="4"/>
+                <c:pt idx="0">
+                  <c:v>Favorável ao Fórum</c:v>
+                </c:pt>
+                <c:pt idx="1">
+                  <c:v>Reclamação referente ao hardware</c:v>
+                </c:pt>
+                <c:pt idx="2">
+                  <c:v>Reclamação referente à softwares e redes </c:v>
+                </c:pt>
+                <c:pt idx="3">
+                  <c:v>Reclamação referente à falta de informação aprensentada no site </c:v>
+                </c:pt>
+              </c:strCache>
+            </c:strRef>
+          </c:cat>
+          <c:val>
+            <c:numRef>
+              <c:f>Planilha1!$D$2:$D$5</c:f>
+              <c:numCache>
+                <c:formatCode>General</c:formatCode>
+                <c:ptCount val="4"/>
+                <c:pt idx="0">
+                  <c:v>9</c:v>
+                </c:pt>
+                <c:pt idx="1">
+                  <c:v>7</c:v>
+                </c:pt>
+                <c:pt idx="2">
+                  <c:v>8</c:v>
+                </c:pt>
+                <c:pt idx="3">
+                  <c:v>9</c:v>
+                </c:pt>
+              </c:numCache>
+            </c:numRef>
+          </c:val>
+          <c:extLst>
+            <c:ext xmlns:c16="http://schemas.microsoft.com/office/drawing/2014/chart" uri="{C3380CC4-5D6E-409C-BE32-E72D297353CC}">
+              <c16:uniqueId val="{00000002-9414-4064-91B5-EE4FD92E1610}"/>
+            </c:ext>
+          </c:extLst>
+        </c:ser>
+        <c:dLbls>
+          <c:showLegendKey val="0"/>
+          <c:showVal val="0"/>
+          <c:showCatName val="0"/>
+          <c:showSerName val="0"/>
+          <c:showPercent val="0"/>
+          <c:showBubbleSize val="0"/>
+        </c:dLbls>
+        <c:gapWidth val="219"/>
+        <c:overlap val="-27"/>
+        <c:axId val="399996904"/>
+        <c:axId val="399126552"/>
+      </c:barChart>
+      <c:catAx>
+        <c:axId val="399996904"/>
+        <c:scaling>
+          <c:orientation val="minMax"/>
+        </c:scaling>
+        <c:delete val="0"/>
+        <c:axPos val="b"/>
+        <c:numFmt formatCode="General" sourceLinked="1"/>
+        <c:majorTickMark val="none"/>
+        <c:minorTickMark val="none"/>
+        <c:tickLblPos val="nextTo"/>
+        <c:spPr>
+          <a:noFill/>
+          <a:ln w="9525" cap="flat" cmpd="sng" algn="ctr">
+            <a:solidFill>
+              <a:schemeClr val="tx1">
+                <a:lumMod val="15000"/>
+                <a:lumOff val="85000"/>
+              </a:schemeClr>
+            </a:solidFill>
+            <a:round/>
+          </a:ln>
+          <a:effectLst/>
+        </c:spPr>
+        <c:txPr>
+          <a:bodyPr rot="-60000000" spcFirstLastPara="1" vertOverflow="ellipsis" vert="horz" wrap="square" anchor="ctr" anchorCtr="1"/>
+          <a:lstStyle/>
+          <a:p>
+            <a:pPr>
+              <a:defRPr sz="1197" b="0" i="0" u="none" strike="noStrike" kern="1200" baseline="0">
+                <a:solidFill>
+                  <a:schemeClr val="tx1">
+                    <a:lumMod val="65000"/>
+                    <a:lumOff val="35000"/>
+                  </a:schemeClr>
+                </a:solidFill>
+                <a:latin typeface="+mn-lt"/>
+                <a:ea typeface="+mn-ea"/>
+                <a:cs typeface="+mn-cs"/>
+              </a:defRPr>
+            </a:pPr>
+            <a:endParaRPr lang="pt-BR"/>
+          </a:p>
+        </c:txPr>
+        <c:crossAx val="399126552"/>
+        <c:crosses val="autoZero"/>
+        <c:auto val="1"/>
+        <c:lblAlgn val="ctr"/>
+        <c:lblOffset val="100"/>
+        <c:noMultiLvlLbl val="0"/>
+      </c:catAx>
+      <c:valAx>
+        <c:axId val="399126552"/>
+        <c:scaling>
+          <c:orientation val="minMax"/>
+        </c:scaling>
+        <c:delete val="0"/>
+        <c:axPos val="l"/>
+        <c:majorGridlines>
+          <c:spPr>
+            <a:ln w="9525" cap="flat" cmpd="sng" algn="ctr">
+              <a:solidFill>
+                <a:schemeClr val="tx1">
+                  <a:lumMod val="15000"/>
+                  <a:lumOff val="85000"/>
+                </a:schemeClr>
+              </a:solidFill>
+              <a:round/>
+            </a:ln>
+            <a:effectLst/>
+          </c:spPr>
+        </c:majorGridlines>
+        <c:numFmt formatCode="General" sourceLinked="1"/>
+        <c:majorTickMark val="none"/>
+        <c:minorTickMark val="none"/>
+        <c:tickLblPos val="nextTo"/>
+        <c:spPr>
+          <a:noFill/>
+          <a:ln>
+            <a:noFill/>
+          </a:ln>
+          <a:effectLst/>
+        </c:spPr>
+        <c:txPr>
+          <a:bodyPr rot="-60000000" spcFirstLastPara="1" vertOverflow="ellipsis" vert="horz" wrap="square" anchor="ctr" anchorCtr="1"/>
+          <a:lstStyle/>
+          <a:p>
+            <a:pPr>
+              <a:defRPr sz="1197" b="0" i="0" u="none" strike="noStrike" kern="1200" baseline="0">
+                <a:solidFill>
+                  <a:schemeClr val="tx1">
+                    <a:lumMod val="65000"/>
+                    <a:lumOff val="35000"/>
+                  </a:schemeClr>
+                </a:solidFill>
+                <a:latin typeface="+mn-lt"/>
+                <a:ea typeface="+mn-ea"/>
+                <a:cs typeface="+mn-cs"/>
+              </a:defRPr>
+            </a:pPr>
+            <a:endParaRPr lang="pt-BR"/>
+          </a:p>
+        </c:txPr>
+        <c:crossAx val="399996904"/>
+        <c:crosses val="autoZero"/>
+        <c:crossBetween val="between"/>
+      </c:valAx>
+      <c:spPr>
+        <a:noFill/>
+        <a:ln>
+          <a:noFill/>
+        </a:ln>
+        <a:effectLst/>
+      </c:spPr>
+    </c:plotArea>
+    <c:legend>
+      <c:legendPos val="b"/>
+      <c:overlay val="0"/>
+      <c:spPr>
+        <a:noFill/>
+        <a:ln>
+          <a:noFill/>
+        </a:ln>
+        <a:effectLst/>
+      </c:spPr>
+      <c:txPr>
+        <a:bodyPr rot="0" spcFirstLastPara="1" vertOverflow="ellipsis" vert="horz" wrap="square" anchor="ctr" anchorCtr="1"/>
+        <a:lstStyle/>
+        <a:p>
+          <a:pPr>
+            <a:defRPr sz="1197" b="0" i="0" u="none" strike="noStrike" kern="1200" baseline="0">
+              <a:solidFill>
+                <a:schemeClr val="tx1">
+                  <a:lumMod val="65000"/>
+                  <a:lumOff val="35000"/>
+                </a:schemeClr>
+              </a:solidFill>
+              <a:latin typeface="+mn-lt"/>
+              <a:ea typeface="+mn-ea"/>
+              <a:cs typeface="+mn-cs"/>
+            </a:defRPr>
+          </a:pPr>
+          <a:endParaRPr lang="pt-BR"/>
+        </a:p>
+      </c:txPr>
+    </c:legend>
+    <c:plotVisOnly val="1"/>
+    <c:dispBlanksAs val="gap"/>
+    <c:showDLblsOverMax val="0"/>
+  </c:chart>
+  <c:spPr>
+    <a:noFill/>
+    <a:ln>
+      <a:noFill/>
+    </a:ln>
+    <a:effectLst/>
+  </c:spPr>
+  <c:txPr>
+    <a:bodyPr/>
+    <a:lstStyle/>
+    <a:p>
+      <a:pPr>
+        <a:defRPr/>
+      </a:pPr>
+      <a:endParaRPr lang="pt-BR"/>
+    </a:p>
+  </c:txPr>
+  <c:externalData r:id="rId3">
+    <c:autoUpdate val="0"/>
+  </c:externalData>
+</c:chartSpace>
+</file>
+
+<file path=ppt/charts/colors1.xml><?xml version="1.0" encoding="utf-8"?>
+<cs:colorStyle xmlns:cs="http://schemas.microsoft.com/office/drawing/2012/chartStyle" xmlns:a="http://schemas.openxmlformats.org/drawingml/2006/main" meth="cycle" id="10">
+  <a:schemeClr val="accent1"/>
+  <a:schemeClr val="accent2"/>
+  <a:schemeClr val="accent3"/>
+  <a:schemeClr val="accent4"/>
+  <a:schemeClr val="accent5"/>
+  <a:schemeClr val="accent6"/>
+  <cs:variation/>
+  <cs:variation>
+    <a:lumMod val="60000"/>
+  </cs:variation>
+  <cs:variation>
+    <a:lumMod val="80000"/>
+    <a:lumOff val="20000"/>
+  </cs:variation>
+  <cs:variation>
+    <a:lumMod val="80000"/>
+  </cs:variation>
+  <cs:variation>
+    <a:lumMod val="60000"/>
+    <a:lumOff val="40000"/>
+  </cs:variation>
+  <cs:variation>
+    <a:lumMod val="50000"/>
+  </cs:variation>
+  <cs:variation>
+    <a:lumMod val="70000"/>
+    <a:lumOff val="30000"/>
+  </cs:variation>
+  <cs:variation>
+    <a:lumMod val="70000"/>
+  </cs:variation>
+  <cs:variation>
+    <a:lumMod val="50000"/>
+    <a:lumOff val="50000"/>
+  </cs:variation>
+</cs:colorStyle>
+</file>
+
+<file path=ppt/charts/style1.xml><?xml version="1.0" encoding="utf-8"?>
+<cs:chartStyle xmlns:cs="http://schemas.microsoft.com/office/drawing/2012/chartStyle" xmlns:a="http://schemas.openxmlformats.org/drawingml/2006/main" id="201">
+  <cs:axisTitle>
+    <cs:lnRef idx="0"/>
+    <cs:fillRef idx="0"/>
+    <cs:effectRef idx="0"/>
+    <cs:fontRef idx="minor">
+      <a:schemeClr val="tx1">
+        <a:lumMod val="65000"/>
+        <a:lumOff val="35000"/>
+      </a:schemeClr>
+    </cs:fontRef>
+    <cs:defRPr sz="1330" kern="1200"/>
+  </cs:axisTitle>
+  <cs:categoryAxis>
+    <cs:lnRef idx="0"/>
+    <cs:fillRef idx="0"/>
+    <cs:effectRef idx="0"/>
+    <cs:fontRef idx="minor">
+      <a:schemeClr val="tx1">
+        <a:lumMod val="65000"/>
+        <a:lumOff val="35000"/>
+      </a:schemeClr>
+    </cs:fontRef>
+    <cs:spPr>
+      <a:ln w="9525" cap="flat" cmpd="sng" algn="ctr">
+        <a:solidFill>
+          <a:schemeClr val="tx1">
+            <a:lumMod val="15000"/>
+            <a:lumOff val="85000"/>
+          </a:schemeClr>
+        </a:solidFill>
+        <a:round/>
+      </a:ln>
+    </cs:spPr>
+    <cs:defRPr sz="1197" kern="1200"/>
+  </cs:categoryAxis>
+  <cs:chartArea mods="allowNoFillOverride allowNoLineOverride">
+    <cs:lnRef idx="0"/>
+    <cs:fillRef idx="0"/>
+    <cs:effectRef idx="0"/>
+    <cs:fontRef idx="minor">
+      <a:schemeClr val="tx1"/>
+    </cs:fontRef>
+    <cs:spPr>
+      <a:solidFill>
+        <a:schemeClr val="bg1"/>
+      </a:solidFill>
+      <a:ln w="9525" cap="flat" cmpd="sng" algn="ctr">
+        <a:solidFill>
+          <a:schemeClr val="tx1">
+            <a:lumMod val="15000"/>
+            <a:lumOff val="85000"/>
+          </a:schemeClr>
+        </a:solidFill>
+        <a:round/>
+      </a:ln>
+    </cs:spPr>
+    <cs:defRPr sz="1330" kern="1200"/>
+  </cs:chartArea>
+  <cs:dataLabel>
+    <cs:lnRef idx="0"/>
+    <cs:fillRef idx="0"/>
+    <cs:effectRef idx="0"/>
+    <cs:fontRef idx="minor">
+      <a:schemeClr val="tx1">
+        <a:lumMod val="75000"/>
+        <a:lumOff val="25000"/>
+      </a:schemeClr>
+    </cs:fontRef>
+    <cs:defRPr sz="1197" kern="1200"/>
+  </cs:dataLabel>
+  <cs:dataLabelCallout>
+    <cs:lnRef idx="0"/>
+    <cs:fillRef idx="0"/>
+    <cs:effectRef idx="0"/>
+    <cs:fontRef idx="minor">
+      <a:schemeClr val="dk1">
+        <a:lumMod val="65000"/>
+        <a:lumOff val="35000"/>
+      </a:schemeClr>
+    </cs:fontRef>
+    <cs:spPr>
+      <a:solidFill>
+        <a:schemeClr val="lt1"/>
+      </a:solidFill>
+      <a:ln>
+        <a:solidFill>
+          <a:schemeClr val="dk1">
+            <a:lumMod val="25000"/>
+            <a:lumOff val="75000"/>
+          </a:schemeClr>
+        </a:solidFill>
+      </a:ln>
+    </cs:spPr>
+    <cs:defRPr sz="1197" kern="1200"/>
+    <cs:bodyPr rot="0" spcFirstLastPara="1" vertOverflow="clip" horzOverflow="clip" vert="horz" wrap="square" lIns="36576" tIns="18288" rIns="36576" bIns="18288" anchor="ctr" anchorCtr="1">
+      <a:spAutoFit/>
+    </cs:bodyPr>
+  </cs:dataLabelCallout>
+  <cs:dataPoint>
+    <cs:lnRef idx="0"/>
+    <cs:fillRef idx="1">
+      <cs:styleClr val="auto"/>
+    </cs:fillRef>
+    <cs:effectRef idx="0"/>
+    <cs:fontRef idx="minor">
+      <a:schemeClr val="tx1"/>
+    </cs:fontRef>
+  </cs:dataPoint>
+  <cs:dataPoint3D>
+    <cs:lnRef idx="0"/>
+    <cs:fillRef idx="1">
+      <cs:styleClr val="auto"/>
+    </cs:fillRef>
+    <cs:effectRef idx="0"/>
+    <cs:fontRef idx="minor">
+      <a:schemeClr val="tx1"/>
+    </cs:fontRef>
+  </cs:dataPoint3D>
+  <cs:dataPointLine>
+    <cs:lnRef idx="0">
+      <cs:styleClr val="auto"/>
+    </cs:lnRef>
+    <cs:fillRef idx="1"/>
+    <cs:effectRef idx="0"/>
+    <cs:fontRef idx="minor">
+      <a:schemeClr val="tx1"/>
+    </cs:fontRef>
+    <cs:spPr>
+      <a:ln w="28575" cap="rnd">
+        <a:solidFill>
+          <a:schemeClr val="phClr"/>
+        </a:solidFill>
+        <a:round/>
+      </a:ln>
+    </cs:spPr>
+  </cs:dataPointLine>
+  <cs:dataPointMarker>
+    <cs:lnRef idx="0">
+      <cs:styleClr val="auto"/>
+    </cs:lnRef>
+    <cs:fillRef idx="1">
+      <cs:styleClr val="auto"/>
+    </cs:fillRef>
+    <cs:effectRef idx="0"/>
+    <cs:fontRef idx="minor">
+      <a:schemeClr val="tx1"/>
+    </cs:fontRef>
+    <cs:spPr>
+      <a:ln w="9525">
+        <a:solidFill>
+          <a:schemeClr val="phClr"/>
+        </a:solidFill>
+      </a:ln>
+    </cs:spPr>
+  </cs:dataPointMarker>
+  <cs:dataPointMarkerLayout symbol="circle" size="5"/>
+  <cs:dataPointWireframe>
+    <cs:lnRef idx="0">
+      <cs:styleClr val="auto"/>
+    </cs:lnRef>
+    <cs:fillRef idx="1"/>
+    <cs:effectRef idx="0"/>
+    <cs:fontRef idx="minor">
+      <a:schemeClr val="tx1"/>
+    </cs:fontRef>
+    <cs:spPr>
+      <a:ln w="9525" cap="rnd">
+        <a:solidFill>
+          <a:schemeClr val="phClr"/>
+        </a:solidFill>
+        <a:round/>
+      </a:ln>
+    </cs:spPr>
+  </cs:dataPointWireframe>
+  <cs:dataTable>
+    <cs:lnRef idx="0"/>
+    <cs:fillRef idx="0"/>
+    <cs:effectRef idx="0"/>
+    <cs:fontRef idx="minor">
+      <a:schemeClr val="tx1">
+        <a:lumMod val="65000"/>
+        <a:lumOff val="35000"/>
+      </a:schemeClr>
+    </cs:fontRef>
+    <cs:spPr>
+      <a:noFill/>
+      <a:ln w="9525" cap="flat" cmpd="sng" algn="ctr">
+        <a:solidFill>
+          <a:schemeClr val="tx1">
+            <a:lumMod val="15000"/>
+            <a:lumOff val="85000"/>
+          </a:schemeClr>
+        </a:solidFill>
+        <a:round/>
+      </a:ln>
+    </cs:spPr>
+    <cs:defRPr sz="1197" kern="1200"/>
+  </cs:dataTable>
+  <cs:downBar>
+    <cs:lnRef idx="0"/>
+    <cs:fillRef idx="0"/>
+    <cs:effectRef idx="0"/>
+    <cs:fontRef idx="minor">
+      <a:schemeClr val="dk1"/>
+    </cs:fontRef>
+    <cs:spPr>
+      <a:solidFill>
+        <a:schemeClr val="dk1">
+          <a:lumMod val="65000"/>
+          <a:lumOff val="35000"/>
+        </a:schemeClr>
+      </a:solidFill>
+      <a:ln w="9525">
+        <a:solidFill>
+          <a:schemeClr val="tx1">
+            <a:lumMod val="65000"/>
+            <a:lumOff val="35000"/>
+          </a:schemeClr>
+        </a:solidFill>
+      </a:ln>
+    </cs:spPr>
+  </cs:downBar>
+  <cs:dropLine>
+    <cs:lnRef idx="0"/>
+    <cs:fillRef idx="0"/>
+    <cs:effectRef idx="0"/>
+    <cs:fontRef idx="minor">
+      <a:schemeClr val="tx1"/>
+    </cs:fontRef>
+    <cs:spPr>
+      <a:ln w="9525" cap="flat" cmpd="sng" algn="ctr">
+        <a:solidFill>
+          <a:schemeClr val="tx1">
+            <a:lumMod val="35000"/>
+            <a:lumOff val="65000"/>
+          </a:schemeClr>
+        </a:solidFill>
+        <a:round/>
+      </a:ln>
+    </cs:spPr>
+  </cs:dropLine>
+  <cs:errorBar>
+    <cs:lnRef idx="0"/>
+    <cs:fillRef idx="0"/>
+    <cs:effectRef idx="0"/>
+    <cs:fontRef idx="minor">
+      <a:schemeClr val="tx1"/>
+    </cs:fontRef>
+    <cs:spPr>
+      <a:ln w="9525" cap="flat" cmpd="sng" algn="ctr">
+        <a:solidFill>
+          <a:schemeClr val="tx1">
+            <a:lumMod val="65000"/>
+            <a:lumOff val="35000"/>
+          </a:schemeClr>
+        </a:solidFill>
+        <a:round/>
+      </a:ln>
+    </cs:spPr>
+  </cs:errorBar>
+  <cs:floor>
+    <cs:lnRef idx="0"/>
+    <cs:fillRef idx="0"/>
+    <cs:effectRef idx="0"/>
+    <cs:fontRef idx="minor">
+      <a:schemeClr val="tx1"/>
+    </cs:fontRef>
+    <cs:spPr>
+      <a:noFill/>
+      <a:ln>
+        <a:noFill/>
+      </a:ln>
+    </cs:spPr>
+  </cs:floor>
+  <cs:gridlineMajor>
+    <cs:lnRef idx="0"/>
+    <cs:fillRef idx="0"/>
+    <cs:effectRef idx="0"/>
+    <cs:fontRef idx="minor">
+      <a:schemeClr val="tx1"/>
+    </cs:fontRef>
+    <cs:spPr>
+      <a:ln w="9525" cap="flat" cmpd="sng" algn="ctr">
+        <a:solidFill>
+          <a:schemeClr val="tx1">
+            <a:lumMod val="15000"/>
+            <a:lumOff val="85000"/>
+          </a:schemeClr>
+        </a:solidFill>
+        <a:round/>
+      </a:ln>
+    </cs:spPr>
+  </cs:gridlineMajor>
+  <cs:gridlineMinor>
+    <cs:lnRef idx="0"/>
+    <cs:fillRef idx="0"/>
+    <cs:effectRef idx="0"/>
+    <cs:fontRef idx="minor">
+      <a:schemeClr val="tx1"/>
+    </cs:fontRef>
+    <cs:spPr>
+      <a:ln w="9525" cap="flat" cmpd="sng" algn="ctr">
+        <a:solidFill>
+          <a:schemeClr val="tx1">
+            <a:lumMod val="5000"/>
+            <a:lumOff val="95000"/>
+          </a:schemeClr>
+        </a:solidFill>
+        <a:round/>
+      </a:ln>
+    </cs:spPr>
+  </cs:gridlineMinor>
+  <cs:hiLoLine>
+    <cs:lnRef idx="0"/>
+    <cs:fillRef idx="0"/>
+    <cs:effectRef idx="0"/>
+    <cs:fontRef idx="minor">
+      <a:schemeClr val="tx1"/>
+    </cs:fontRef>
+    <cs:spPr>
+      <a:ln w="9525" cap="flat" cmpd="sng" algn="ctr">
+        <a:solidFill>
+          <a:schemeClr val="tx1">
+            <a:lumMod val="75000"/>
+            <a:lumOff val="25000"/>
+          </a:schemeClr>
+        </a:solidFill>
+        <a:round/>
+      </a:ln>
+    </cs:spPr>
+  </cs:hiLoLine>
+  <cs:leaderLine>
+    <cs:lnRef idx="0"/>
+    <cs:fillRef idx="0"/>
+    <cs:effectRef idx="0"/>
+    <cs:fontRef idx="minor">
+      <a:schemeClr val="tx1"/>
+    </cs:fontRef>
+    <cs:spPr>
+      <a:ln w="9525" cap="flat" cmpd="sng" algn="ctr">
+        <a:solidFill>
+          <a:schemeClr val="tx1">
+            <a:lumMod val="35000"/>
+            <a:lumOff val="65000"/>
+          </a:schemeClr>
+        </a:solidFill>
+        <a:round/>
+      </a:ln>
+    </cs:spPr>
+  </cs:leaderLine>
+  <cs:legend>
+    <cs:lnRef idx="0"/>
+    <cs:fillRef idx="0"/>
+    <cs:effectRef idx="0"/>
+    <cs:fontRef idx="minor">
+      <a:schemeClr val="tx1">
+        <a:lumMod val="65000"/>
+        <a:lumOff val="35000"/>
+      </a:schemeClr>
+    </cs:fontRef>
+    <cs:defRPr sz="1197" kern="1200"/>
+  </cs:legend>
+  <cs:plotArea mods="allowNoFillOverride allowNoLineOverride">
+    <cs:lnRef idx="0"/>
+    <cs:fillRef idx="0"/>
+    <cs:effectRef idx="0"/>
+    <cs:fontRef idx="minor">
+      <a:schemeClr val="tx1"/>
+    </cs:fontRef>
+  </cs:plotArea>
+  <cs:plotArea3D mods="allowNoFillOverride allowNoLineOverride">
+    <cs:lnRef idx="0"/>
+    <cs:fillRef idx="0"/>
+    <cs:effectRef idx="0"/>
+    <cs:fontRef idx="minor">
+      <a:schemeClr val="tx1"/>
+    </cs:fontRef>
+  </cs:plotArea3D>
+  <cs:seriesAxis>
+    <cs:lnRef idx="0"/>
+    <cs:fillRef idx="0"/>
+    <cs:effectRef idx="0"/>
+    <cs:fontRef idx="minor">
+      <a:schemeClr val="tx1">
+        <a:lumMod val="65000"/>
+        <a:lumOff val="35000"/>
+      </a:schemeClr>
+    </cs:fontRef>
+    <cs:defRPr sz="1197" kern="1200"/>
+  </cs:seriesAxis>
+  <cs:seriesLine>
+    <cs:lnRef idx="0"/>
+    <cs:fillRef idx="0"/>
+    <cs:effectRef idx="0"/>
+    <cs:fontRef idx="minor">
+      <a:schemeClr val="tx1"/>
+    </cs:fontRef>
+    <cs:spPr>
+      <a:ln w="9525" cap="flat" cmpd="sng" algn="ctr">
+        <a:solidFill>
+          <a:schemeClr val="tx1">
+            <a:lumMod val="35000"/>
+            <a:lumOff val="65000"/>
+          </a:schemeClr>
+        </a:solidFill>
+        <a:round/>
+      </a:ln>
+    </cs:spPr>
+  </cs:seriesLine>
+  <cs:title>
+    <cs:lnRef idx="0"/>
+    <cs:fillRef idx="0"/>
+    <cs:effectRef idx="0"/>
+    <cs:fontRef idx="minor">
+      <a:schemeClr val="tx1">
+        <a:lumMod val="65000"/>
+        <a:lumOff val="35000"/>
+      </a:schemeClr>
+    </cs:fontRef>
+    <cs:defRPr sz="1862" b="0" kern="1200" spc="0" baseline="0"/>
+  </cs:title>
+  <cs:trendline>
+    <cs:lnRef idx="0">
+      <cs:styleClr val="auto"/>
+    </cs:lnRef>
+    <cs:fillRef idx="0"/>
+    <cs:effectRef idx="0"/>
+    <cs:fontRef idx="minor">
+      <a:schemeClr val="tx1"/>
+    </cs:fontRef>
+    <cs:spPr>
+      <a:ln w="19050" cap="rnd">
+        <a:solidFill>
+          <a:schemeClr val="phClr"/>
+        </a:solidFill>
+        <a:prstDash val="sysDot"/>
+      </a:ln>
+    </cs:spPr>
+  </cs:trendline>
+  <cs:trendlineLabel>
+    <cs:lnRef idx="0"/>
+    <cs:fillRef idx="0"/>
+    <cs:effectRef idx="0"/>
+    <cs:fontRef idx="minor">
+      <a:schemeClr val="tx1">
+        <a:lumMod val="65000"/>
+        <a:lumOff val="35000"/>
+      </a:schemeClr>
+    </cs:fontRef>
+    <cs:defRPr sz="1197" kern="1200"/>
+  </cs:trendlineLabel>
+  <cs:upBar>
+    <cs:lnRef idx="0"/>
+    <cs:fillRef idx="0"/>
+    <cs:effectRef idx="0"/>
+    <cs:fontRef idx="minor">
+      <a:schemeClr val="dk1"/>
+    </cs:fontRef>
+    <cs:spPr>
+      <a:solidFill>
+        <a:schemeClr val="lt1"/>
+      </a:solidFill>
+      <a:ln w="9525">
+        <a:solidFill>
+          <a:schemeClr val="tx1">
+            <a:lumMod val="15000"/>
+            <a:lumOff val="85000"/>
+          </a:schemeClr>
+        </a:solidFill>
+      </a:ln>
+    </cs:spPr>
+  </cs:upBar>
+  <cs:valueAxis>
+    <cs:lnRef idx="0"/>
+    <cs:fillRef idx="0"/>
+    <cs:effectRef idx="0"/>
+    <cs:fontRef idx="minor">
+      <a:schemeClr val="tx1">
+        <a:lumMod val="65000"/>
+        <a:lumOff val="35000"/>
+      </a:schemeClr>
+    </cs:fontRef>
+    <cs:defRPr sz="1197" kern="1200"/>
+  </cs:valueAxis>
+  <cs:wall>
+    <cs:lnRef idx="0"/>
+    <cs:fillRef idx="0"/>
+    <cs:effectRef idx="0"/>
+    <cs:fontRef idx="minor">
+      <a:schemeClr val="tx1"/>
+    </cs:fontRef>
+    <cs:spPr>
+      <a:noFill/>
+      <a:ln>
+        <a:noFill/>
+      </a:ln>
+    </cs:spPr>
+  </cs:wall>
+</cs:chartStyle>
+</file>
+
 <file path=ppt/slideLayouts/slideLayout1.xml><?xml version="1.0" encoding="utf-8"?>
 <p:sldLayout xmlns:a="http://schemas.openxmlformats.org/drawingml/2006/main" xmlns:r="http://schemas.openxmlformats.org/officeDocument/2006/relationships" xmlns:p="http://schemas.openxmlformats.org/presentationml/2006/main" type="title" preserve="1">
   <p:cSld name="Slide de Título">
@@ -313,7 +1333,7 @@
             <a:fld id="{B61BEF0D-F0BB-DE4B-95CE-6DB70DBA9567}" type="datetimeFigureOut">
               <a:rPr lang="en-US" dirty="0"/>
               <a:pPr/>
-              <a:t>6/4/2018</a:t>
+              <a:t>6/5/2018</a:t>
             </a:fld>
             <a:endParaRPr lang="en-US" dirty="0"/>
           </a:p>
@@ -648,7 +1668,7 @@
             <a:fld id="{B61BEF0D-F0BB-DE4B-95CE-6DB70DBA9567}" type="datetimeFigureOut">
               <a:rPr lang="en-US" dirty="0"/>
               <a:pPr/>
-              <a:t>6/4/2018</a:t>
+              <a:t>6/5/2018</a:t>
             </a:fld>
             <a:endParaRPr lang="en-US" dirty="0"/>
           </a:p>
@@ -1046,7 +2066,7 @@
             <a:fld id="{B61BEF0D-F0BB-DE4B-95CE-6DB70DBA9567}" type="datetimeFigureOut">
               <a:rPr lang="en-US" dirty="0"/>
               <a:pPr/>
-              <a:t>6/4/2018</a:t>
+              <a:t>6/5/2018</a:t>
             </a:fld>
             <a:endParaRPr lang="en-US" dirty="0"/>
           </a:p>
@@ -1379,7 +2399,7 @@
             <a:fld id="{B61BEF0D-F0BB-DE4B-95CE-6DB70DBA9567}" type="datetimeFigureOut">
               <a:rPr lang="en-US" dirty="0"/>
               <a:pPr/>
-              <a:t>6/4/2018</a:t>
+              <a:t>6/5/2018</a:t>
             </a:fld>
             <a:endParaRPr lang="en-US" dirty="0"/>
           </a:p>
@@ -1696,7 +2716,7 @@
             <a:fld id="{B61BEF0D-F0BB-DE4B-95CE-6DB70DBA9567}" type="datetimeFigureOut">
               <a:rPr lang="en-US" dirty="0"/>
               <a:pPr/>
-              <a:t>6/4/2018</a:t>
+              <a:t>6/5/2018</a:t>
             </a:fld>
             <a:endParaRPr lang="en-US" dirty="0"/>
           </a:p>
@@ -2089,7 +3109,7 @@
             <a:fld id="{B61BEF0D-F0BB-DE4B-95CE-6DB70DBA9567}" type="datetimeFigureOut">
               <a:rPr lang="en-US" dirty="0"/>
               <a:pPr/>
-              <a:t>6/4/2018</a:t>
+              <a:t>6/5/2018</a:t>
             </a:fld>
             <a:endParaRPr lang="en-US" dirty="0"/>
           </a:p>
@@ -2343,7 +3363,7 @@
             <a:fld id="{B61BEF0D-F0BB-DE4B-95CE-6DB70DBA9567}" type="datetimeFigureOut">
               <a:rPr lang="en-US" dirty="0"/>
               <a:pPr/>
-              <a:t>6/4/2018</a:t>
+              <a:t>6/5/2018</a:t>
             </a:fld>
             <a:endParaRPr lang="en-US" dirty="0"/>
           </a:p>
@@ -2602,7 +3622,7 @@
             <a:fld id="{B61BEF0D-F0BB-DE4B-95CE-6DB70DBA9567}" type="datetimeFigureOut">
               <a:rPr lang="en-US" dirty="0"/>
               <a:pPr/>
-              <a:t>6/4/2018</a:t>
+              <a:t>6/5/2018</a:t>
             </a:fld>
             <a:endParaRPr lang="en-US" dirty="0"/>
           </a:p>
@@ -2861,7 +3881,7 @@
             <a:fld id="{B61BEF0D-F0BB-DE4B-95CE-6DB70DBA9567}" type="datetimeFigureOut">
               <a:rPr lang="en-US" dirty="0"/>
               <a:pPr/>
-              <a:t>6/4/2018</a:t>
+              <a:t>6/5/2018</a:t>
             </a:fld>
             <a:endParaRPr lang="en-US" dirty="0"/>
           </a:p>
@@ -3187,7 +4207,7 @@
             <a:fld id="{B61BEF0D-F0BB-DE4B-95CE-6DB70DBA9567}" type="datetimeFigureOut">
               <a:rPr lang="en-US" dirty="0"/>
               <a:pPr/>
-              <a:t>6/4/2018</a:t>
+              <a:t>6/5/2018</a:t>
             </a:fld>
             <a:endParaRPr lang="en-US" dirty="0"/>
           </a:p>
@@ -3507,7 +4527,7 @@
             <a:fld id="{B61BEF0D-F0BB-DE4B-95CE-6DB70DBA9567}" type="datetimeFigureOut">
               <a:rPr lang="en-US" dirty="0"/>
               <a:pPr/>
-              <a:t>6/4/2018</a:t>
+              <a:t>6/5/2018</a:t>
             </a:fld>
             <a:endParaRPr lang="en-US" dirty="0"/>
           </a:p>
@@ -3961,7 +4981,7 @@
             <a:fld id="{B61BEF0D-F0BB-DE4B-95CE-6DB70DBA9567}" type="datetimeFigureOut">
               <a:rPr lang="en-US" dirty="0"/>
               <a:pPr/>
-              <a:t>6/4/2018</a:t>
+              <a:t>6/5/2018</a:t>
             </a:fld>
             <a:endParaRPr lang="en-US" dirty="0"/>
           </a:p>
@@ -4163,7 +5183,7 @@
             <a:fld id="{B61BEF0D-F0BB-DE4B-95CE-6DB70DBA9567}" type="datetimeFigureOut">
               <a:rPr lang="en-US" dirty="0"/>
               <a:pPr/>
-              <a:t>6/4/2018</a:t>
+              <a:t>6/5/2018</a:t>
             </a:fld>
             <a:endParaRPr lang="en-US" dirty="0"/>
           </a:p>
@@ -4337,7 +5357,7 @@
             <a:fld id="{B61BEF0D-F0BB-DE4B-95CE-6DB70DBA9567}" type="datetimeFigureOut">
               <a:rPr lang="en-US" dirty="0"/>
               <a:pPr/>
-              <a:t>6/4/2018</a:t>
+              <a:t>6/5/2018</a:t>
             </a:fld>
             <a:endParaRPr lang="en-US" dirty="0"/>
           </a:p>
@@ -4667,7 +5687,7 @@
             <a:fld id="{B61BEF0D-F0BB-DE4B-95CE-6DB70DBA9567}" type="datetimeFigureOut">
               <a:rPr lang="en-US" dirty="0"/>
               <a:pPr/>
-              <a:t>6/4/2018</a:t>
+              <a:t>6/5/2018</a:t>
             </a:fld>
             <a:endParaRPr lang="en-US" dirty="0"/>
           </a:p>
@@ -5009,7 +6029,7 @@
             <a:fld id="{B61BEF0D-F0BB-DE4B-95CE-6DB70DBA9567}" type="datetimeFigureOut">
               <a:rPr lang="en-US" dirty="0"/>
               <a:pPr/>
-              <a:t>6/4/2018</a:t>
+              <a:t>6/5/2018</a:t>
             </a:fld>
             <a:endParaRPr lang="en-US" dirty="0"/>
           </a:p>
@@ -7123,7 +8143,7 @@
             <a:fld id="{B61BEF0D-F0BB-DE4B-95CE-6DB70DBA9567}" type="datetimeFigureOut">
               <a:rPr lang="en-US" dirty="0"/>
               <a:pPr/>
-              <a:t>6/4/2018</a:t>
+              <a:t>6/5/2018</a:t>
             </a:fld>
             <a:endParaRPr lang="en-US" dirty="0"/>
           </a:p>
@@ -7814,6 +8834,449 @@
 </p:sld>
 </file>
 
+<file path=ppt/slides/slide10.xml><?xml version="1.0" encoding="utf-8"?>
+<p:sld xmlns:a="http://schemas.openxmlformats.org/drawingml/2006/main" xmlns:r="http://schemas.openxmlformats.org/officeDocument/2006/relationships" xmlns:p="http://schemas.openxmlformats.org/presentationml/2006/main">
+  <p:cSld>
+    <p:spTree>
+      <p:nvGrpSpPr>
+        <p:cNvPr id="1" name=""/>
+        <p:cNvGrpSpPr/>
+        <p:nvPr/>
+      </p:nvGrpSpPr>
+      <p:grpSpPr>
+        <a:xfrm>
+          <a:off x="0" y="0"/>
+          <a:ext cx="0" cy="0"/>
+          <a:chOff x="0" y="0"/>
+          <a:chExt cx="0" cy="0"/>
+        </a:xfrm>
+      </p:grpSpPr>
+      <p:sp>
+        <p:nvSpPr>
+          <p:cNvPr id="2" name="Título 1">
+            <a:extLst>
+              <a:ext uri="{FF2B5EF4-FFF2-40B4-BE49-F238E27FC236}">
+                <a16:creationId xmlns:a16="http://schemas.microsoft.com/office/drawing/2014/main" id="{CFEC2CDA-D010-459D-964D-3F695C1FEE76}"/>
+              </a:ext>
+            </a:extLst>
+          </p:cNvPr>
+          <p:cNvSpPr>
+            <a:spLocks noGrp="1"/>
+          </p:cNvSpPr>
+          <p:nvPr>
+            <p:ph type="title"/>
+          </p:nvPr>
+        </p:nvSpPr>
+        <p:spPr/>
+        <p:txBody>
+          <a:bodyPr/>
+          <a:lstStyle/>
+          <a:p>
+            <a:pPr algn="ctr"/>
+            <a:r>
+              <a:rPr lang="pt-BR" dirty="0"/>
+              <a:t>Gráfico referente as pesquisas</a:t>
+            </a:r>
+          </a:p>
+        </p:txBody>
+      </p:sp>
+      <p:graphicFrame>
+        <p:nvGraphicFramePr>
+          <p:cNvPr id="7" name="Espaço Reservado para Conteúdo 6">
+            <a:extLst>
+              <a:ext uri="{FF2B5EF4-FFF2-40B4-BE49-F238E27FC236}">
+                <a16:creationId xmlns:a16="http://schemas.microsoft.com/office/drawing/2014/main" id="{FD4F65CD-070F-4ECB-BB14-422E058FC562}"/>
+              </a:ext>
+            </a:extLst>
+          </p:cNvPr>
+          <p:cNvGraphicFramePr>
+            <a:graphicFrameLocks noGrp="1"/>
+          </p:cNvGraphicFramePr>
+          <p:nvPr>
+            <p:ph idx="1"/>
+            <p:extLst>
+              <p:ext uri="{D42A27DB-BD31-4B8C-83A1-F6EECF244321}">
+                <p14:modId xmlns:p14="http://schemas.microsoft.com/office/powerpoint/2010/main" val="2735051850"/>
+              </p:ext>
+            </p:extLst>
+          </p:nvPr>
+        </p:nvGraphicFramePr>
+        <p:xfrm>
+          <a:off x="1934305" y="1615385"/>
+          <a:ext cx="8915400" cy="3778250"/>
+        </p:xfrm>
+        <a:graphic>
+          <a:graphicData uri="http://schemas.openxmlformats.org/drawingml/2006/chart">
+            <c:chart xmlns:c="http://schemas.openxmlformats.org/drawingml/2006/chart" xmlns:r="http://schemas.openxmlformats.org/officeDocument/2006/relationships" r:id="rId2"/>
+          </a:graphicData>
+        </a:graphic>
+      </p:graphicFrame>
+      <p:sp>
+        <p:nvSpPr>
+          <p:cNvPr id="4" name="CaixaDeTexto 3">
+            <a:extLst>
+              <a:ext uri="{FF2B5EF4-FFF2-40B4-BE49-F238E27FC236}">
+                <a16:creationId xmlns:a16="http://schemas.microsoft.com/office/drawing/2014/main" id="{E3B5A391-6901-4467-A376-0FE479D05497}"/>
+              </a:ext>
+            </a:extLst>
+          </p:cNvPr>
+          <p:cNvSpPr txBox="1"/>
+          <p:nvPr/>
+        </p:nvSpPr>
+        <p:spPr>
+          <a:xfrm>
+            <a:off x="5592418" y="5393635"/>
+            <a:ext cx="5804452" cy="1246495"/>
+          </a:xfrm>
+          <a:prstGeom prst="rect">
+            <a:avLst/>
+          </a:prstGeom>
+          <a:noFill/>
+        </p:spPr>
+        <p:txBody>
+          <a:bodyPr wrap="square" rtlCol="0">
+            <a:spAutoFit/>
+          </a:bodyPr>
+          <a:lstStyle/>
+          <a:p>
+            <a:pPr algn="r"/>
+            <a:r>
+              <a:rPr lang="pt-BR" sz="2500" dirty="0">
+                <a:solidFill>
+                  <a:schemeClr val="bg1">
+                    <a:lumMod val="85000"/>
+                  </a:schemeClr>
+                </a:solidFill>
+                <a:latin typeface="Arial" panose="020B0604020202020204" pitchFamily="34" charset="0"/>
+                <a:cs typeface="Arial" panose="020B0604020202020204" pitchFamily="34" charset="0"/>
+              </a:rPr>
+              <a:t>Ana Laura </a:t>
+            </a:r>
+            <a:r>
+              <a:rPr lang="pt-BR" sz="2500" dirty="0" err="1">
+                <a:solidFill>
+                  <a:schemeClr val="bg1">
+                    <a:lumMod val="85000"/>
+                  </a:schemeClr>
+                </a:solidFill>
+                <a:latin typeface="Arial" panose="020B0604020202020204" pitchFamily="34" charset="0"/>
+                <a:cs typeface="Arial" panose="020B0604020202020204" pitchFamily="34" charset="0"/>
+              </a:rPr>
+              <a:t>Alvino</a:t>
+            </a:r>
+            <a:r>
+              <a:rPr lang="pt-BR" sz="2500" dirty="0">
+                <a:solidFill>
+                  <a:schemeClr val="bg1">
+                    <a:lumMod val="85000"/>
+                  </a:schemeClr>
+                </a:solidFill>
+                <a:latin typeface="Arial" panose="020B0604020202020204" pitchFamily="34" charset="0"/>
+                <a:cs typeface="Arial" panose="020B0604020202020204" pitchFamily="34" charset="0"/>
+              </a:rPr>
+              <a:t> de Souza</a:t>
+            </a:r>
+          </a:p>
+          <a:p>
+            <a:pPr algn="r"/>
+            <a:r>
+              <a:rPr lang="pt-BR" sz="2500" dirty="0">
+                <a:solidFill>
+                  <a:schemeClr val="bg1">
+                    <a:lumMod val="85000"/>
+                  </a:schemeClr>
+                </a:solidFill>
+                <a:latin typeface="Arial" panose="020B0604020202020204" pitchFamily="34" charset="0"/>
+                <a:cs typeface="Arial" panose="020B0604020202020204" pitchFamily="34" charset="0"/>
+              </a:rPr>
+              <a:t>Bruno Ferreira </a:t>
+            </a:r>
+            <a:r>
+              <a:rPr lang="pt-BR" sz="2500" dirty="0" err="1">
+                <a:solidFill>
+                  <a:schemeClr val="bg1">
+                    <a:lumMod val="85000"/>
+                  </a:schemeClr>
+                </a:solidFill>
+                <a:latin typeface="Arial" panose="020B0604020202020204" pitchFamily="34" charset="0"/>
+                <a:cs typeface="Arial" panose="020B0604020202020204" pitchFamily="34" charset="0"/>
+              </a:rPr>
+              <a:t>Badoco</a:t>
+            </a:r>
+            <a:endParaRPr lang="pt-BR" sz="2500" dirty="0">
+              <a:solidFill>
+                <a:schemeClr val="bg1">
+                  <a:lumMod val="85000"/>
+                </a:schemeClr>
+              </a:solidFill>
+              <a:latin typeface="Arial" panose="020B0604020202020204" pitchFamily="34" charset="0"/>
+              <a:cs typeface="Arial" panose="020B0604020202020204" pitchFamily="34" charset="0"/>
+            </a:endParaRPr>
+          </a:p>
+          <a:p>
+            <a:pPr algn="r"/>
+            <a:r>
+              <a:rPr lang="pt-BR" sz="2500" dirty="0">
+                <a:solidFill>
+                  <a:schemeClr val="bg1">
+                    <a:lumMod val="85000"/>
+                  </a:schemeClr>
+                </a:solidFill>
+                <a:latin typeface="Arial" panose="020B0604020202020204" pitchFamily="34" charset="0"/>
+                <a:cs typeface="Arial" panose="020B0604020202020204" pitchFamily="34" charset="0"/>
+              </a:rPr>
+              <a:t>Eduardo Cintra dos Santos</a:t>
+            </a:r>
+          </a:p>
+        </p:txBody>
+      </p:sp>
+    </p:spTree>
+    <p:extLst>
+      <p:ext uri="{BB962C8B-B14F-4D97-AF65-F5344CB8AC3E}">
+        <p14:creationId xmlns:p14="http://schemas.microsoft.com/office/powerpoint/2010/main" val="2926476447"/>
+      </p:ext>
+    </p:extLst>
+  </p:cSld>
+  <p:clrMapOvr>
+    <a:masterClrMapping/>
+  </p:clrMapOvr>
+</p:sld>
+</file>
+
+<file path=ppt/slides/slide11.xml><?xml version="1.0" encoding="utf-8"?>
+<p:sld xmlns:a="http://schemas.openxmlformats.org/drawingml/2006/main" xmlns:r="http://schemas.openxmlformats.org/officeDocument/2006/relationships" xmlns:p="http://schemas.openxmlformats.org/presentationml/2006/main">
+  <p:cSld>
+    <p:spTree>
+      <p:nvGrpSpPr>
+        <p:cNvPr id="1" name=""/>
+        <p:cNvGrpSpPr/>
+        <p:nvPr/>
+      </p:nvGrpSpPr>
+      <p:grpSpPr>
+        <a:xfrm>
+          <a:off x="0" y="0"/>
+          <a:ext cx="0" cy="0"/>
+          <a:chOff x="0" y="0"/>
+          <a:chExt cx="0" cy="0"/>
+        </a:xfrm>
+      </p:grpSpPr>
+      <p:sp>
+        <p:nvSpPr>
+          <p:cNvPr id="2" name="Título 1">
+            <a:extLst>
+              <a:ext uri="{FF2B5EF4-FFF2-40B4-BE49-F238E27FC236}">
+                <a16:creationId xmlns:a16="http://schemas.microsoft.com/office/drawing/2014/main" id="{B375DC1A-E93B-4749-BE0B-C0FC43B024A4}"/>
+              </a:ext>
+            </a:extLst>
+          </p:cNvPr>
+          <p:cNvSpPr>
+            <a:spLocks noGrp="1"/>
+          </p:cNvSpPr>
+          <p:nvPr>
+            <p:ph type="title"/>
+          </p:nvPr>
+        </p:nvSpPr>
+        <p:spPr/>
+        <p:txBody>
+          <a:bodyPr/>
+          <a:lstStyle/>
+          <a:p>
+            <a:r>
+              <a:rPr lang="pt-BR" dirty="0"/>
+              <a:t>Fechamento	</a:t>
+            </a:r>
+            <a:br>
+              <a:rPr lang="pt-BR" dirty="0"/>
+            </a:br>
+            <a:endParaRPr lang="pt-BR" dirty="0"/>
+          </a:p>
+        </p:txBody>
+      </p:sp>
+      <p:sp>
+        <p:nvSpPr>
+          <p:cNvPr id="3" name="Espaço Reservado para Conteúdo 2">
+            <a:extLst>
+              <a:ext uri="{FF2B5EF4-FFF2-40B4-BE49-F238E27FC236}">
+                <a16:creationId xmlns:a16="http://schemas.microsoft.com/office/drawing/2014/main" id="{D3540114-B30B-4AD7-8788-3EDAD8A70546}"/>
+              </a:ext>
+            </a:extLst>
+          </p:cNvPr>
+          <p:cNvSpPr>
+            <a:spLocks noGrp="1"/>
+          </p:cNvSpPr>
+          <p:nvPr>
+            <p:ph idx="1"/>
+          </p:nvPr>
+        </p:nvSpPr>
+        <p:spPr/>
+        <p:txBody>
+          <a:bodyPr/>
+          <a:lstStyle/>
+          <a:p>
+            <a:r>
+              <a:rPr lang="pt-BR" dirty="0"/>
+              <a:t>(S/A ENGENHARIA ) , buscou uma evolução para os problemas da faculdade, no qual, já havia dados coletados em outra pesquisa sobre a insatisfação presente à anos acerca da interatividade e falta de informação do site. </a:t>
+            </a:r>
+          </a:p>
+          <a:p>
+            <a:r>
+              <a:rPr lang="pt-BR" dirty="0"/>
+              <a:t>Encontra-se em </a:t>
+            </a:r>
+            <a:r>
+              <a:rPr lang="pt-BR" u="sng" dirty="0">
+                <a:hlinkClick r:id="rId2"/>
+              </a:rPr>
+              <a:t>http://www.usp.br/agen/?p=18961</a:t>
+            </a:r>
+            <a:endParaRPr lang="pt-BR" u="sng" dirty="0"/>
+          </a:p>
+          <a:p>
+            <a:endParaRPr lang="pt-BR" u="sng" dirty="0"/>
+          </a:p>
+          <a:p>
+            <a:r>
+              <a:rPr lang="pt-BR" u="sng" dirty="0"/>
+              <a:t>É deixado nota acerca das providências não tomadas à deficientes que deixam de utilizar o site por falta de inclusão para estes.  </a:t>
+            </a:r>
+          </a:p>
+          <a:p>
+            <a:endParaRPr lang="pt-BR" dirty="0"/>
+          </a:p>
+        </p:txBody>
+      </p:sp>
+      <p:sp>
+        <p:nvSpPr>
+          <p:cNvPr id="4" name="CaixaDeTexto 3">
+            <a:extLst>
+              <a:ext uri="{FF2B5EF4-FFF2-40B4-BE49-F238E27FC236}">
+                <a16:creationId xmlns:a16="http://schemas.microsoft.com/office/drawing/2014/main" id="{945F647F-BA66-4644-9154-BEF0CCB6E0D0}"/>
+              </a:ext>
+            </a:extLst>
+          </p:cNvPr>
+          <p:cNvSpPr txBox="1"/>
+          <p:nvPr/>
+        </p:nvSpPr>
+        <p:spPr>
+          <a:xfrm>
+            <a:off x="5839554" y="4763441"/>
+            <a:ext cx="5804452" cy="1246495"/>
+          </a:xfrm>
+          <a:prstGeom prst="rect">
+            <a:avLst/>
+          </a:prstGeom>
+          <a:noFill/>
+        </p:spPr>
+        <p:txBody>
+          <a:bodyPr wrap="square" rtlCol="0">
+            <a:spAutoFit/>
+          </a:bodyPr>
+          <a:lstStyle/>
+          <a:p>
+            <a:pPr algn="r"/>
+            <a:r>
+              <a:rPr lang="pt-BR" sz="2500" dirty="0">
+                <a:solidFill>
+                  <a:schemeClr val="bg1">
+                    <a:lumMod val="85000"/>
+                  </a:schemeClr>
+                </a:solidFill>
+                <a:latin typeface="Arial" panose="020B0604020202020204" pitchFamily="34" charset="0"/>
+                <a:cs typeface="Arial" panose="020B0604020202020204" pitchFamily="34" charset="0"/>
+              </a:rPr>
+              <a:t>Ana Laura </a:t>
+            </a:r>
+            <a:r>
+              <a:rPr lang="pt-BR" sz="2500" dirty="0" err="1">
+                <a:solidFill>
+                  <a:schemeClr val="bg1">
+                    <a:lumMod val="85000"/>
+                  </a:schemeClr>
+                </a:solidFill>
+                <a:latin typeface="Arial" panose="020B0604020202020204" pitchFamily="34" charset="0"/>
+                <a:cs typeface="Arial" panose="020B0604020202020204" pitchFamily="34" charset="0"/>
+              </a:rPr>
+              <a:t>Alvino</a:t>
+            </a:r>
+            <a:r>
+              <a:rPr lang="pt-BR" sz="2500" dirty="0">
+                <a:solidFill>
+                  <a:schemeClr val="bg1">
+                    <a:lumMod val="85000"/>
+                  </a:schemeClr>
+                </a:solidFill>
+                <a:latin typeface="Arial" panose="020B0604020202020204" pitchFamily="34" charset="0"/>
+                <a:cs typeface="Arial" panose="020B0604020202020204" pitchFamily="34" charset="0"/>
+              </a:rPr>
+              <a:t> de Souza</a:t>
+            </a:r>
+          </a:p>
+          <a:p>
+            <a:pPr algn="r"/>
+            <a:r>
+              <a:rPr lang="pt-BR" sz="2500" dirty="0">
+                <a:solidFill>
+                  <a:schemeClr val="bg1">
+                    <a:lumMod val="85000"/>
+                  </a:schemeClr>
+                </a:solidFill>
+                <a:latin typeface="Arial" panose="020B0604020202020204" pitchFamily="34" charset="0"/>
+                <a:cs typeface="Arial" panose="020B0604020202020204" pitchFamily="34" charset="0"/>
+              </a:rPr>
+              <a:t>Bruno Ferreira </a:t>
+            </a:r>
+            <a:r>
+              <a:rPr lang="pt-BR" sz="2500" dirty="0" err="1">
+                <a:solidFill>
+                  <a:schemeClr val="bg1">
+                    <a:lumMod val="85000"/>
+                  </a:schemeClr>
+                </a:solidFill>
+                <a:latin typeface="Arial" panose="020B0604020202020204" pitchFamily="34" charset="0"/>
+                <a:cs typeface="Arial" panose="020B0604020202020204" pitchFamily="34" charset="0"/>
+              </a:rPr>
+              <a:t>Badoco</a:t>
+            </a:r>
+            <a:endParaRPr lang="pt-BR" sz="2500" dirty="0">
+              <a:solidFill>
+                <a:schemeClr val="bg1">
+                  <a:lumMod val="85000"/>
+                </a:schemeClr>
+              </a:solidFill>
+              <a:latin typeface="Arial" panose="020B0604020202020204" pitchFamily="34" charset="0"/>
+              <a:cs typeface="Arial" panose="020B0604020202020204" pitchFamily="34" charset="0"/>
+            </a:endParaRPr>
+          </a:p>
+          <a:p>
+            <a:pPr algn="r"/>
+            <a:r>
+              <a:rPr lang="pt-BR" sz="2500" dirty="0">
+                <a:solidFill>
+                  <a:schemeClr val="bg1">
+                    <a:lumMod val="85000"/>
+                  </a:schemeClr>
+                </a:solidFill>
+                <a:latin typeface="Arial" panose="020B0604020202020204" pitchFamily="34" charset="0"/>
+                <a:cs typeface="Arial" panose="020B0604020202020204" pitchFamily="34" charset="0"/>
+              </a:rPr>
+              <a:t>Eduardo Cintra dos Santos</a:t>
+            </a:r>
+          </a:p>
+        </p:txBody>
+      </p:sp>
+    </p:spTree>
+    <p:extLst>
+      <p:ext uri="{BB962C8B-B14F-4D97-AF65-F5344CB8AC3E}">
+        <p14:creationId xmlns:p14="http://schemas.microsoft.com/office/powerpoint/2010/main" val="2277022165"/>
+      </p:ext>
+    </p:extLst>
+  </p:cSld>
+  <p:clrMapOvr>
+    <a:masterClrMapping/>
+  </p:clrMapOvr>
+</p:sld>
+</file>
+
 <file path=ppt/slides/slide2.xml><?xml version="1.0" encoding="utf-8"?>
 <p:sld xmlns:a="http://schemas.openxmlformats.org/drawingml/2006/main" xmlns:r="http://schemas.openxmlformats.org/officeDocument/2006/relationships" xmlns:p="http://schemas.openxmlformats.org/presentationml/2006/main">
   <p:cSld>
@@ -7891,8 +9354,22 @@
           <a:p>
             <a:r>
               <a:rPr lang="pt-BR" dirty="0"/>
-              <a:t>De acordo as pesquisas feitas em campo, com as entrevistas de alunos e docentes da faculdade, a empresa (S/A ENGENHARIA) propôs como uma ideia base a versão de melhoria de software em rede pertencente a universidade ;</a:t>
-            </a:r>
+              <a:t>De acordo as pesquisas feitas em campo, com as entrevistas de alunos e docentes da faculdade, a empresa (S/A ENGENHARIA) propôs como uma </a:t>
+            </a:r>
+            <a:r>
+              <a:rPr lang="pt-BR" dirty="0">
+                <a:solidFill>
+                  <a:schemeClr val="tx1"/>
+                </a:solidFill>
+              </a:rPr>
+              <a:t>ideia base </a:t>
+            </a:r>
+            <a:r>
+              <a:rPr lang="pt-BR" dirty="0"/>
+              <a:t>a versão de melhoria de software em rede pertencente a universidade ;</a:t>
+            </a:r>
+          </a:p>
+          <a:p>
             <a:endParaRPr lang="pt-BR" b="1" i="1" dirty="0">
               <a:solidFill>
                 <a:srgbClr val="FF0000"/>
@@ -8078,12 +9555,14 @@
         </p:nvSpPr>
         <p:spPr>
           <a:xfrm>
-            <a:off x="2204899" y="1060175"/>
-            <a:ext cx="8915400" cy="3777622"/>
+            <a:off x="2204899" y="1060174"/>
+            <a:ext cx="8915400" cy="5181599"/>
           </a:xfrm>
         </p:spPr>
         <p:txBody>
-          <a:bodyPr/>
+          <a:bodyPr>
+            <a:normAutofit lnSpcReduction="10000"/>
+          </a:bodyPr>
           <a:lstStyle/>
           <a:p>
             <a:r>
@@ -8104,6 +9583,12 @@
             </a:r>
           </a:p>
           <a:p>
+            <a:endParaRPr lang="pt-BR" dirty="0"/>
+          </a:p>
+          <a:p>
+            <a:endParaRPr lang="pt-BR" dirty="0"/>
+          </a:p>
+          <a:p>
             <a:r>
               <a:rPr lang="pt-BR" dirty="0"/>
               <a:t>Entrada e acesso a rede de WI-FI e Portal (AVA e Web) precário, não possui a opção </a:t>
@@ -8120,6 +9605,12 @@
               <a:rPr lang="pt-BR" dirty="0"/>
               <a:t>considerado repetitivo e cansativo toda vez que o sistema cai ou WI-FI é desconectado;</a:t>
             </a:r>
+          </a:p>
+          <a:p>
+            <a:endParaRPr lang="pt-BR" dirty="0"/>
+          </a:p>
+          <a:p>
+            <a:endParaRPr lang="pt-BR" dirty="0"/>
           </a:p>
           <a:p>
             <a:r>
@@ -8183,26 +9674,34 @@
         </p:nvSpPr>
         <p:spPr>
           <a:xfrm>
-            <a:off x="2218151" y="940905"/>
-            <a:ext cx="8915400" cy="3777622"/>
+            <a:off x="2218151" y="940904"/>
+            <a:ext cx="8915400" cy="4876799"/>
           </a:xfrm>
         </p:spPr>
         <p:txBody>
-          <a:bodyPr/>
+          <a:bodyPr>
+            <a:normAutofit/>
+          </a:bodyPr>
           <a:lstStyle/>
           <a:p>
             <a:r>
               <a:rPr lang="pt-BR" dirty="0"/>
-              <a:t>Muitos trabalhos em projetor , (falar da entrada de </a:t>
+              <a:t>Dificuldade de apresentação de trabalhos, resultado do problema de apresentação por notebook, sem acesso por cabo VGA, HDMI, </a:t>
             </a:r>
             <a:r>
               <a:rPr lang="pt-BR" dirty="0" err="1"/>
-              <a:t>notbook</a:t>
+              <a:t>etc</a:t>
             </a:r>
             <a:r>
               <a:rPr lang="pt-BR" dirty="0"/>
-              <a:t>)</a:t>
-            </a:r>
+              <a:t>;</a:t>
+            </a:r>
+          </a:p>
+          <a:p>
+            <a:endParaRPr lang="pt-BR" dirty="0"/>
+          </a:p>
+          <a:p>
+            <a:endParaRPr lang="pt-BR" dirty="0"/>
           </a:p>
           <a:p>
             <a:r>
@@ -8211,15 +9710,16 @@
             </a:r>
           </a:p>
           <a:p>
+            <a:endParaRPr lang="pt-BR" dirty="0"/>
+          </a:p>
+          <a:p>
+            <a:endParaRPr lang="pt-BR" dirty="0"/>
+          </a:p>
+          <a:p>
             <a:r>
               <a:rPr lang="pt-BR" dirty="0"/>
-              <a:t>A falha com aluno entre o aplicativo móvel ou web da universidade, um sistema didático e informativo,  </a:t>
-            </a:r>
-            <a:r>
-              <a:rPr lang="pt-BR"/>
-              <a:t>precário,</a:t>
-            </a:r>
-            <a:endParaRPr lang="pt-BR" dirty="0"/>
+              <a:t>A falha com aluno entre o aplicativo móvel ou web da universidade, um sistema didático, interativo e explicativo, precário, falta uma IHC melhorada;</a:t>
+            </a:r>
           </a:p>
           <a:p>
             <a:endParaRPr lang="pt-BR" dirty="0"/>
@@ -8258,38 +9758,10 @@
       </p:grpSpPr>
       <p:sp>
         <p:nvSpPr>
-          <p:cNvPr id="2" name="Título 1">
-            <a:extLst>
-              <a:ext uri="{FF2B5EF4-FFF2-40B4-BE49-F238E27FC236}">
-                <a16:creationId xmlns:a16="http://schemas.microsoft.com/office/drawing/2014/main" id="{C47BAA9B-8E38-4BDE-843F-F0F4390203D2}"/>
-              </a:ext>
-            </a:extLst>
-          </p:cNvPr>
-          <p:cNvSpPr>
-            <a:spLocks noGrp="1"/>
-          </p:cNvSpPr>
-          <p:nvPr>
-            <p:ph type="title"/>
-          </p:nvPr>
-        </p:nvSpPr>
-        <p:spPr/>
-        <p:txBody>
-          <a:bodyPr/>
-          <a:lstStyle/>
-          <a:p>
-            <a:r>
-              <a:rPr lang="pt-BR" dirty="0"/>
-              <a:t>Soluções</a:t>
-            </a:r>
-          </a:p>
-        </p:txBody>
-      </p:sp>
-      <p:sp>
-        <p:nvSpPr>
           <p:cNvPr id="3" name="Espaço Reservado para Conteúdo 2">
             <a:extLst>
               <a:ext uri="{FF2B5EF4-FFF2-40B4-BE49-F238E27FC236}">
-                <a16:creationId xmlns:a16="http://schemas.microsoft.com/office/drawing/2014/main" id="{042F5009-F4FD-4388-AC64-796188848DD7}"/>
+                <a16:creationId xmlns:a16="http://schemas.microsoft.com/office/drawing/2014/main" id="{76D0421D-2B56-4DAE-BB1E-DFEFDDDD34B3}"/>
               </a:ext>
             </a:extLst>
           </p:cNvPr>
@@ -8300,160 +9772,119 @@
             <p:ph idx="1"/>
           </p:nvPr>
         </p:nvSpPr>
-        <p:spPr/>
-        <p:txBody>
-          <a:bodyPr/>
+        <p:spPr>
+          <a:xfrm>
+            <a:off x="1948070" y="1113182"/>
+            <a:ext cx="9119221" cy="4518991"/>
+          </a:xfrm>
+        </p:spPr>
+        <p:txBody>
+          <a:bodyPr>
+            <a:normAutofit fontScale="92500" lnSpcReduction="10000"/>
+          </a:bodyPr>
           <a:lstStyle/>
           <a:p>
             <a:r>
               <a:rPr lang="pt-BR" dirty="0"/>
-              <a:t>A proposta para alunos, </a:t>
-            </a:r>
-            <a:r>
-              <a:rPr lang="pt-BR" b="1" i="1" dirty="0">
+              <a:t>Falta de softwares necessários para o uso de determinados cursos que faltam em computadores acadêmicos, destaque alguns possuem outros não. </a:t>
+            </a:r>
+            <a:r>
+              <a:rPr lang="pt-BR" b="1" dirty="0">
                 <a:solidFill>
                   <a:srgbClr val="FF0000"/>
                 </a:solidFill>
               </a:rPr>
-              <a:t>um Fórum , </a:t>
-            </a:r>
+              <a:t>Por que não, todos? ;</a:t>
+            </a:r>
+          </a:p>
+          <a:p>
+            <a:endParaRPr lang="pt-BR" b="1" dirty="0">
+              <a:solidFill>
+                <a:srgbClr val="FF0000"/>
+              </a:solidFill>
+            </a:endParaRPr>
+          </a:p>
+          <a:p>
             <a:r>
               <a:rPr lang="pt-BR" dirty="0">
                 <a:solidFill>
                   <a:schemeClr val="tx1"/>
                 </a:solidFill>
               </a:rPr>
-              <a:t>e para docentes da instituição a abertura do fórum para ajudar os alunos com os problemas apresentados dentro do site;</a:t>
-            </a:r>
-          </a:p>
-          <a:p>
-            <a:endParaRPr lang="pt-BR" dirty="0"/>
-          </a:p>
-        </p:txBody>
-      </p:sp>
-      <p:sp>
-        <p:nvSpPr>
-          <p:cNvPr id="4" name="CaixaDeTexto 3">
-            <a:extLst>
-              <a:ext uri="{FF2B5EF4-FFF2-40B4-BE49-F238E27FC236}">
-                <a16:creationId xmlns:a16="http://schemas.microsoft.com/office/drawing/2014/main" id="{D3F02CFD-6DC4-4D11-9A89-F1CD90CA41B4}"/>
-              </a:ext>
-            </a:extLst>
-          </p:cNvPr>
-          <p:cNvSpPr txBox="1"/>
-          <p:nvPr/>
-        </p:nvSpPr>
-        <p:spPr>
-          <a:xfrm>
-            <a:off x="5592418" y="5393635"/>
-            <a:ext cx="5804452" cy="1246495"/>
-          </a:xfrm>
-          <a:prstGeom prst="rect">
-            <a:avLst/>
-          </a:prstGeom>
-          <a:noFill/>
-        </p:spPr>
-        <p:txBody>
-          <a:bodyPr wrap="square" rtlCol="0">
-            <a:spAutoFit/>
-          </a:bodyPr>
-          <a:lstStyle/>
-          <a:p>
-            <a:pPr algn="r"/>
-            <a:r>
-              <a:rPr lang="pt-BR" sz="2500" dirty="0">
+              <a:t>Dificuldade de aprendizagem com lousas de giz , possivelmente lousas digitais, auxilio também na Medicina, para o ensino com maiores detalhes;</a:t>
+            </a:r>
+          </a:p>
+          <a:p>
+            <a:endParaRPr lang="pt-BR" dirty="0">
+              <a:solidFill>
+                <a:schemeClr val="tx1"/>
+              </a:solidFill>
+            </a:endParaRPr>
+          </a:p>
+          <a:p>
+            <a:r>
+              <a:rPr lang="pt-BR" dirty="0">
                 <a:solidFill>
-                  <a:schemeClr val="bg1">
-                    <a:lumMod val="85000"/>
-                  </a:schemeClr>
+                  <a:schemeClr val="tx1"/>
                 </a:solidFill>
-                <a:latin typeface="Arial" panose="020B0604020202020204" pitchFamily="34" charset="0"/>
-                <a:cs typeface="Arial" panose="020B0604020202020204" pitchFamily="34" charset="0"/>
               </a:rPr>
-              <a:t>Ana Laura </a:t>
-            </a:r>
-            <a:r>
-              <a:rPr lang="pt-BR" sz="2500" dirty="0" err="1">
+              <a:t>Sem acesso a artigos de anos passados do curso;</a:t>
+            </a:r>
+          </a:p>
+          <a:p>
+            <a:endParaRPr lang="pt-BR" dirty="0">
+              <a:solidFill>
+                <a:schemeClr val="tx1"/>
+              </a:solidFill>
+            </a:endParaRPr>
+          </a:p>
+          <a:p>
+            <a:r>
+              <a:rPr lang="pt-BR" b="1" dirty="0">
                 <a:solidFill>
-                  <a:schemeClr val="bg1">
-                    <a:lumMod val="85000"/>
-                  </a:schemeClr>
+                  <a:srgbClr val="FF0000"/>
                 </a:solidFill>
-                <a:latin typeface="Arial" panose="020B0604020202020204" pitchFamily="34" charset="0"/>
-                <a:cs typeface="Arial" panose="020B0604020202020204" pitchFamily="34" charset="0"/>
               </a:rPr>
-              <a:t>Alvino</a:t>
-            </a:r>
-            <a:r>
-              <a:rPr lang="pt-BR" sz="2500" dirty="0">
+              <a:t>Falta de informação sobre como usar o site, há módulos que existem e não são explorados por falta de conhecimento e explicação;</a:t>
+            </a:r>
+          </a:p>
+          <a:p>
+            <a:endParaRPr lang="pt-BR" b="1" dirty="0">
+              <a:solidFill>
+                <a:srgbClr val="FF0000"/>
+              </a:solidFill>
+            </a:endParaRPr>
+          </a:p>
+          <a:p>
+            <a:r>
+              <a:rPr lang="pt-BR" b="1" dirty="0">
                 <a:solidFill>
-                  <a:schemeClr val="bg1">
-                    <a:lumMod val="85000"/>
-                  </a:schemeClr>
+                  <a:srgbClr val="FF0000"/>
                 </a:solidFill>
-                <a:latin typeface="Arial" panose="020B0604020202020204" pitchFamily="34" charset="0"/>
-                <a:cs typeface="Arial" panose="020B0604020202020204" pitchFamily="34" charset="0"/>
               </a:rPr>
-              <a:t> de Souza</a:t>
-            </a:r>
-          </a:p>
-          <a:p>
-            <a:pPr algn="r"/>
-            <a:r>
-              <a:rPr lang="pt-BR" sz="2500" dirty="0">
-                <a:solidFill>
-                  <a:schemeClr val="bg1">
-                    <a:lumMod val="85000"/>
-                  </a:schemeClr>
-                </a:solidFill>
-                <a:latin typeface="Arial" panose="020B0604020202020204" pitchFamily="34" charset="0"/>
-                <a:cs typeface="Arial" panose="020B0604020202020204" pitchFamily="34" charset="0"/>
-              </a:rPr>
-              <a:t>Bruno Ferreira </a:t>
-            </a:r>
-            <a:r>
-              <a:rPr lang="pt-BR" sz="2500" dirty="0" err="1">
-                <a:solidFill>
-                  <a:schemeClr val="bg1">
-                    <a:lumMod val="85000"/>
-                  </a:schemeClr>
-                </a:solidFill>
-                <a:latin typeface="Arial" panose="020B0604020202020204" pitchFamily="34" charset="0"/>
-                <a:cs typeface="Arial" panose="020B0604020202020204" pitchFamily="34" charset="0"/>
-              </a:rPr>
-              <a:t>Badoco</a:t>
-            </a:r>
-            <a:endParaRPr lang="pt-BR" sz="2500" dirty="0">
+              <a:t>O site não apresenta inclusão para pessoas deficientes e com problemas de cores (Daltonismo) ;</a:t>
+            </a:r>
+          </a:p>
+          <a:p>
+            <a:endParaRPr lang="pt-BR" dirty="0">
               <a:solidFill>
-                <a:schemeClr val="bg1">
-                  <a:lumMod val="85000"/>
-                </a:schemeClr>
+                <a:schemeClr val="tx1"/>
               </a:solidFill>
-              <a:latin typeface="Arial" panose="020B0604020202020204" pitchFamily="34" charset="0"/>
-              <a:cs typeface="Arial" panose="020B0604020202020204" pitchFamily="34" charset="0"/>
             </a:endParaRPr>
           </a:p>
           <a:p>
-            <a:pPr algn="r"/>
-            <a:r>
-              <a:rPr lang="pt-BR" sz="2500" dirty="0">
-                <a:solidFill>
-                  <a:schemeClr val="bg1">
-                    <a:lumMod val="85000"/>
-                  </a:schemeClr>
-                </a:solidFill>
-                <a:latin typeface="Arial" panose="020B0604020202020204" pitchFamily="34" charset="0"/>
-                <a:cs typeface="Arial" panose="020B0604020202020204" pitchFamily="34" charset="0"/>
-              </a:rPr>
-              <a:t>Eduardo Cintra dos Santos</a:t>
-            </a:r>
+            <a:endParaRPr lang="pt-BR" dirty="0">
+              <a:solidFill>
+                <a:schemeClr val="tx1"/>
+              </a:solidFill>
+            </a:endParaRPr>
           </a:p>
         </p:txBody>
       </p:sp>
     </p:spTree>
     <p:extLst>
       <p:ext uri="{BB962C8B-B14F-4D97-AF65-F5344CB8AC3E}">
-        <p14:creationId xmlns:p14="http://schemas.microsoft.com/office/powerpoint/2010/main" val="3319117495"/>
+        <p14:creationId xmlns:p14="http://schemas.microsoft.com/office/powerpoint/2010/main" val="1166397650"/>
       </p:ext>
     </p:extLst>
   </p:cSld>
@@ -8485,7 +9916,7 @@
           <p:cNvPr id="2" name="Título 1">
             <a:extLst>
               <a:ext uri="{FF2B5EF4-FFF2-40B4-BE49-F238E27FC236}">
-                <a16:creationId xmlns:a16="http://schemas.microsoft.com/office/drawing/2014/main" id="{A92CBA8C-C59C-4A9F-A80F-A7B568EE9AC9}"/>
+                <a16:creationId xmlns:a16="http://schemas.microsoft.com/office/drawing/2014/main" id="{C47BAA9B-8E38-4BDE-843F-F0F4390203D2}"/>
               </a:ext>
             </a:extLst>
           </p:cNvPr>
@@ -8503,7 +9934,7 @@
           <a:p>
             <a:r>
               <a:rPr lang="pt-BR" dirty="0"/>
-              <a:t>Critica /ênfase site do Saulo</a:t>
+              <a:t>Soluções</a:t>
             </a:r>
           </a:p>
         </p:txBody>
@@ -8513,7 +9944,7 @@
           <p:cNvPr id="3" name="Espaço Reservado para Conteúdo 2">
             <a:extLst>
               <a:ext uri="{FF2B5EF4-FFF2-40B4-BE49-F238E27FC236}">
-                <a16:creationId xmlns:a16="http://schemas.microsoft.com/office/drawing/2014/main" id="{F865254E-672E-4AEB-98A8-B739B86EBAC5}"/>
+                <a16:creationId xmlns:a16="http://schemas.microsoft.com/office/drawing/2014/main" id="{042F5009-F4FD-4388-AC64-796188848DD7}"/>
               </a:ext>
             </a:extLst>
           </p:cNvPr>
@@ -8526,10 +9957,109 @@
         </p:nvSpPr>
         <p:spPr/>
         <p:txBody>
-          <a:bodyPr/>
+          <a:bodyPr>
+            <a:normAutofit/>
+          </a:bodyPr>
           <a:lstStyle/>
           <a:p>
-            <a:endParaRPr lang="pt-BR"/>
+            <a:r>
+              <a:rPr lang="pt-BR" dirty="0"/>
+              <a:t>A proposta para alunos, </a:t>
+            </a:r>
+            <a:r>
+              <a:rPr lang="pt-BR" b="1" i="1" dirty="0">
+                <a:solidFill>
+                  <a:srgbClr val="FF0000"/>
+                </a:solidFill>
+              </a:rPr>
+              <a:t>um Fórum , </a:t>
+            </a:r>
+            <a:r>
+              <a:rPr lang="pt-BR" dirty="0">
+                <a:solidFill>
+                  <a:schemeClr val="tx1"/>
+                </a:solidFill>
+              </a:rPr>
+              <a:t>e para docentes da instituição a abertura do fórum para ajudar os alunos com os problemas apresentados dentro do site;</a:t>
+            </a:r>
+          </a:p>
+          <a:p>
+            <a:endParaRPr lang="pt-BR" dirty="0">
+              <a:solidFill>
+                <a:schemeClr val="tx1"/>
+              </a:solidFill>
+            </a:endParaRPr>
+          </a:p>
+          <a:p>
+            <a:r>
+              <a:rPr lang="pt-BR" dirty="0">
+                <a:solidFill>
+                  <a:schemeClr val="tx1"/>
+                </a:solidFill>
+              </a:rPr>
+              <a:t>Solução entre o problema da coordenação e docente, possibilidade de controle </a:t>
+            </a:r>
+            <a:r>
+              <a:rPr lang="pt-BR" i="1" dirty="0">
+                <a:solidFill>
+                  <a:schemeClr val="accent2">
+                    <a:lumMod val="75000"/>
+                  </a:schemeClr>
+                </a:solidFill>
+              </a:rPr>
+              <a:t>via online , </a:t>
+            </a:r>
+            <a:r>
+              <a:rPr lang="pt-BR" dirty="0">
+                <a:solidFill>
+                  <a:schemeClr val="tx1"/>
+                </a:solidFill>
+              </a:rPr>
+              <a:t>de listas de presença, excluindo a ação de impressão sem necessidade de uso demasiado de folhas; </a:t>
+            </a:r>
+          </a:p>
+          <a:p>
+            <a:endParaRPr lang="pt-BR" i="1" dirty="0">
+              <a:solidFill>
+                <a:schemeClr val="tx1"/>
+              </a:solidFill>
+            </a:endParaRPr>
+          </a:p>
+          <a:p>
+            <a:r>
+              <a:rPr lang="pt-BR" i="1" dirty="0">
+                <a:solidFill>
+                  <a:schemeClr val="tx1"/>
+                </a:solidFill>
+              </a:rPr>
+              <a:t>M</a:t>
+            </a:r>
+            <a:r>
+              <a:rPr lang="pt-BR" dirty="0">
+                <a:solidFill>
+                  <a:schemeClr val="tx1"/>
+                </a:solidFill>
+              </a:rPr>
+              <a:t>aior controle de segurança em </a:t>
+            </a:r>
+            <a:r>
+              <a:rPr lang="pt-BR" b="1" dirty="0">
+                <a:solidFill>
+                  <a:schemeClr val="bg2">
+                    <a:lumMod val="50000"/>
+                  </a:schemeClr>
+                </a:solidFill>
+              </a:rPr>
+              <a:t>MALWARES, </a:t>
+            </a:r>
+            <a:r>
+              <a:rPr lang="pt-BR" dirty="0">
+                <a:solidFill>
+                  <a:schemeClr val="tx1"/>
+                </a:solidFill>
+              </a:rPr>
+              <a:t>presente no uso de computadores de professores e alunos, quinzenalmente uma formatação e varredura; </a:t>
+            </a:r>
           </a:p>
         </p:txBody>
       </p:sp>
@@ -8538,7 +10068,7 @@
           <p:cNvPr id="4" name="CaixaDeTexto 3">
             <a:extLst>
               <a:ext uri="{FF2B5EF4-FFF2-40B4-BE49-F238E27FC236}">
-                <a16:creationId xmlns:a16="http://schemas.microsoft.com/office/drawing/2014/main" id="{1BDA66C8-F2E1-4679-8441-91AE36E48203}"/>
+                <a16:creationId xmlns:a16="http://schemas.microsoft.com/office/drawing/2014/main" id="{D3F02CFD-6DC4-4D11-9A89-F1CD90CA41B4}"/>
               </a:ext>
             </a:extLst>
           </p:cNvPr>
@@ -8547,7 +10077,7 @@
         </p:nvSpPr>
         <p:spPr>
           <a:xfrm>
-            <a:off x="5700160" y="5287974"/>
+            <a:off x="6061974" y="4893327"/>
             <a:ext cx="5804452" cy="1246495"/>
           </a:xfrm>
           <a:prstGeom prst="rect">
@@ -8655,7 +10185,7 @@
     </p:spTree>
     <p:extLst>
       <p:ext uri="{BB962C8B-B14F-4D97-AF65-F5344CB8AC3E}">
-        <p14:creationId xmlns:p14="http://schemas.microsoft.com/office/powerpoint/2010/main" val="3370890150"/>
+        <p14:creationId xmlns:p14="http://schemas.microsoft.com/office/powerpoint/2010/main" val="3319117495"/>
       </p:ext>
     </p:extLst>
   </p:cSld>
@@ -8684,38 +10214,10 @@
       </p:grpSpPr>
       <p:sp>
         <p:nvSpPr>
-          <p:cNvPr id="2" name="Título 1">
-            <a:extLst>
-              <a:ext uri="{FF2B5EF4-FFF2-40B4-BE49-F238E27FC236}">
-                <a16:creationId xmlns:a16="http://schemas.microsoft.com/office/drawing/2014/main" id="{CFEC2CDA-D010-459D-964D-3F695C1FEE76}"/>
-              </a:ext>
-            </a:extLst>
-          </p:cNvPr>
-          <p:cNvSpPr>
-            <a:spLocks noGrp="1"/>
-          </p:cNvSpPr>
-          <p:nvPr>
-            <p:ph type="title"/>
-          </p:nvPr>
-        </p:nvSpPr>
-        <p:spPr/>
-        <p:txBody>
-          <a:bodyPr/>
-          <a:lstStyle/>
-          <a:p>
-            <a:r>
-              <a:rPr lang="pt-BR" dirty="0"/>
-              <a:t>Gráfico</a:t>
-            </a:r>
-          </a:p>
-        </p:txBody>
-      </p:sp>
-      <p:sp>
-        <p:nvSpPr>
           <p:cNvPr id="3" name="Espaço Reservado para Conteúdo 2">
             <a:extLst>
               <a:ext uri="{FF2B5EF4-FFF2-40B4-BE49-F238E27FC236}">
-                <a16:creationId xmlns:a16="http://schemas.microsoft.com/office/drawing/2014/main" id="{E1D48E0C-C9F5-4ACA-B0DF-0461B079FBBC}"/>
+                <a16:creationId xmlns:a16="http://schemas.microsoft.com/office/drawing/2014/main" id="{55502CC5-48AC-42DB-9C6D-0C3D84FDC1EB}"/>
               </a:ext>
             </a:extLst>
           </p:cNvPr>
@@ -8726,138 +10228,103 @@
             <p:ph idx="1"/>
           </p:nvPr>
         </p:nvSpPr>
-        <p:spPr/>
-        <p:txBody>
-          <a:bodyPr/>
-          <a:lstStyle/>
-          <a:p>
-            <a:endParaRPr lang="pt-BR"/>
-          </a:p>
-        </p:txBody>
-      </p:sp>
-      <p:sp>
-        <p:nvSpPr>
-          <p:cNvPr id="4" name="CaixaDeTexto 3">
-            <a:extLst>
-              <a:ext uri="{FF2B5EF4-FFF2-40B4-BE49-F238E27FC236}">
-                <a16:creationId xmlns:a16="http://schemas.microsoft.com/office/drawing/2014/main" id="{E3B5A391-6901-4467-A376-0FE479D05497}"/>
-              </a:ext>
-            </a:extLst>
-          </p:cNvPr>
-          <p:cNvSpPr txBox="1"/>
-          <p:nvPr/>
-        </p:nvSpPr>
         <p:spPr>
           <a:xfrm>
-            <a:off x="5592418" y="5393635"/>
-            <a:ext cx="5804452" cy="1246495"/>
+            <a:off x="2125386" y="1258957"/>
+            <a:ext cx="8915400" cy="4412794"/>
           </a:xfrm>
-          <a:prstGeom prst="rect">
-            <a:avLst/>
-          </a:prstGeom>
-          <a:noFill/>
         </p:spPr>
         <p:txBody>
-          <a:bodyPr wrap="square" rtlCol="0">
-            <a:spAutoFit/>
+          <a:bodyPr>
+            <a:normAutofit fontScale="92500" lnSpcReduction="10000"/>
           </a:bodyPr>
           <a:lstStyle/>
           <a:p>
-            <a:pPr algn="r"/>
-            <a:r>
-              <a:rPr lang="pt-BR" sz="2500" dirty="0">
+            <a:r>
+              <a:rPr lang="pt-BR" dirty="0"/>
+              <a:t>Adaptações em CPUs , entrada de CD-ROM, cabos HDMI e VGA; </a:t>
+            </a:r>
+          </a:p>
+          <a:p>
+            <a:endParaRPr lang="pt-BR" dirty="0"/>
+          </a:p>
+          <a:p>
+            <a:r>
+              <a:rPr lang="pt-BR" dirty="0"/>
+              <a:t> Controle de satisfação de serviços prestados por estagiários da parte técnica da faculdade; </a:t>
+            </a:r>
+          </a:p>
+          <a:p>
+            <a:endParaRPr lang="pt-BR" dirty="0"/>
+          </a:p>
+          <a:p>
+            <a:r>
+              <a:rPr lang="pt-BR" dirty="0"/>
+              <a:t>Inclusão digital para todos os tipos de deficiência, ao site da instituição;</a:t>
+            </a:r>
+          </a:p>
+          <a:p>
+            <a:endParaRPr lang="pt-BR" dirty="0"/>
+          </a:p>
+          <a:p>
+            <a:r>
+              <a:rPr lang="pt-BR" dirty="0"/>
+              <a:t>Melhoria na segurança de fornecimento de senha de acesso ao site, aumento de </a:t>
+            </a:r>
+            <a:r>
+              <a:rPr lang="pt-BR" sz="1600" i="1" dirty="0">
                 <a:solidFill>
-                  <a:schemeClr val="bg1">
-                    <a:lumMod val="85000"/>
+                  <a:schemeClr val="accent5">
+                    <a:lumMod val="75000"/>
                   </a:schemeClr>
                 </a:solidFill>
-                <a:latin typeface="Arial" panose="020B0604020202020204" pitchFamily="34" charset="0"/>
-                <a:cs typeface="Arial" panose="020B0604020202020204" pitchFamily="34" charset="0"/>
               </a:rPr>
-              <a:t>Ana Laura </a:t>
-            </a:r>
-            <a:r>
-              <a:rPr lang="pt-BR" sz="2500" dirty="0" err="1">
-                <a:solidFill>
-                  <a:schemeClr val="bg1">
-                    <a:lumMod val="85000"/>
-                  </a:schemeClr>
-                </a:solidFill>
-                <a:latin typeface="Arial" panose="020B0604020202020204" pitchFamily="34" charset="0"/>
-                <a:cs typeface="Arial" panose="020B0604020202020204" pitchFamily="34" charset="0"/>
-              </a:rPr>
-              <a:t>Alvino</a:t>
-            </a:r>
-            <a:r>
-              <a:rPr lang="pt-BR" sz="2500" dirty="0">
-                <a:solidFill>
-                  <a:schemeClr val="bg1">
-                    <a:lumMod val="85000"/>
-                  </a:schemeClr>
-                </a:solidFill>
-                <a:latin typeface="Arial" panose="020B0604020202020204" pitchFamily="34" charset="0"/>
-                <a:cs typeface="Arial" panose="020B0604020202020204" pitchFamily="34" charset="0"/>
-              </a:rPr>
-              <a:t> de Souza</a:t>
-            </a:r>
-          </a:p>
-          <a:p>
-            <a:pPr algn="r"/>
-            <a:r>
-              <a:rPr lang="pt-BR" sz="2500" dirty="0">
-                <a:solidFill>
-                  <a:schemeClr val="bg1">
-                    <a:lumMod val="85000"/>
-                  </a:schemeClr>
-                </a:solidFill>
-                <a:latin typeface="Arial" panose="020B0604020202020204" pitchFamily="34" charset="0"/>
-                <a:cs typeface="Arial" panose="020B0604020202020204" pitchFamily="34" charset="0"/>
-              </a:rPr>
-              <a:t>Bruno Ferreira </a:t>
-            </a:r>
-            <a:r>
-              <a:rPr lang="pt-BR" sz="2500" dirty="0" err="1">
-                <a:solidFill>
-                  <a:schemeClr val="bg1">
-                    <a:lumMod val="85000"/>
-                  </a:schemeClr>
-                </a:solidFill>
-                <a:latin typeface="Arial" panose="020B0604020202020204" pitchFamily="34" charset="0"/>
-                <a:cs typeface="Arial" panose="020B0604020202020204" pitchFamily="34" charset="0"/>
-              </a:rPr>
-              <a:t>Badoco</a:t>
-            </a:r>
-            <a:endParaRPr lang="pt-BR" sz="2500" dirty="0">
-              <a:solidFill>
-                <a:schemeClr val="bg1">
-                  <a:lumMod val="85000"/>
-                </a:schemeClr>
-              </a:solidFill>
-              <a:latin typeface="Arial" panose="020B0604020202020204" pitchFamily="34" charset="0"/>
-              <a:cs typeface="Arial" panose="020B0604020202020204" pitchFamily="34" charset="0"/>
-            </a:endParaRPr>
-          </a:p>
-          <a:p>
-            <a:pPr algn="r"/>
-            <a:r>
-              <a:rPr lang="pt-BR" sz="2500" dirty="0">
-                <a:solidFill>
-                  <a:schemeClr val="bg1">
-                    <a:lumMod val="85000"/>
-                  </a:schemeClr>
-                </a:solidFill>
-                <a:latin typeface="Arial" panose="020B0604020202020204" pitchFamily="34" charset="0"/>
-                <a:cs typeface="Arial" panose="020B0604020202020204" pitchFamily="34" charset="0"/>
-              </a:rPr>
-              <a:t>Eduardo Cintra dos Santos</a:t>
-            </a:r>
+              <a:t>caracteres</a:t>
+            </a:r>
+            <a:r>
+              <a:rPr lang="pt-BR" dirty="0"/>
+              <a:t> ;</a:t>
+            </a:r>
+          </a:p>
+          <a:p>
+            <a:endParaRPr lang="pt-BR" dirty="0"/>
+          </a:p>
+          <a:p>
+            <a:r>
+              <a:rPr lang="pt-BR" dirty="0"/>
+              <a:t>Surgimento “Portal Amigo” com manual de uso do site interativo e didático;</a:t>
+            </a:r>
+          </a:p>
+          <a:p>
+            <a:endParaRPr lang="pt-BR" dirty="0"/>
+          </a:p>
+          <a:p>
+            <a:r>
+              <a:rPr lang="pt-BR" dirty="0"/>
+              <a:t>“ME AJUDA , fórum”; </a:t>
+            </a:r>
+          </a:p>
+          <a:p>
+            <a:pPr marL="0" indent="0">
+              <a:buNone/>
+            </a:pPr>
+            <a:endParaRPr lang="pt-BR" dirty="0"/>
+          </a:p>
+          <a:p>
+            <a:endParaRPr lang="pt-BR" dirty="0"/>
+          </a:p>
+          <a:p>
+            <a:pPr marL="0" indent="0">
+              <a:buNone/>
+            </a:pPr>
+            <a:endParaRPr lang="pt-BR" dirty="0"/>
           </a:p>
         </p:txBody>
       </p:sp>
     </p:spTree>
     <p:extLst>
       <p:ext uri="{BB962C8B-B14F-4D97-AF65-F5344CB8AC3E}">
-        <p14:creationId xmlns:p14="http://schemas.microsoft.com/office/powerpoint/2010/main" val="2926476447"/>
+        <p14:creationId xmlns:p14="http://schemas.microsoft.com/office/powerpoint/2010/main" val="85870267"/>
       </p:ext>
     </p:extLst>
   </p:cSld>
@@ -8889,7 +10356,7 @@
           <p:cNvPr id="2" name="Título 1">
             <a:extLst>
               <a:ext uri="{FF2B5EF4-FFF2-40B4-BE49-F238E27FC236}">
-                <a16:creationId xmlns:a16="http://schemas.microsoft.com/office/drawing/2014/main" id="{B375DC1A-E93B-4749-BE0B-C0FC43B024A4}"/>
+                <a16:creationId xmlns:a16="http://schemas.microsoft.com/office/drawing/2014/main" id="{A92CBA8C-C59C-4A9F-A80F-A7B568EE9AC9}"/>
               </a:ext>
             </a:extLst>
           </p:cNvPr>
@@ -8907,12 +10374,8 @@
           <a:p>
             <a:r>
               <a:rPr lang="pt-BR" dirty="0"/>
-              <a:t>Fechamento	</a:t>
-            </a:r>
-            <a:br>
-              <a:rPr lang="pt-BR" dirty="0"/>
-            </a:br>
-            <a:endParaRPr lang="pt-BR" dirty="0"/>
+              <a:t>O FÓRUM</a:t>
+            </a:r>
           </a:p>
         </p:txBody>
       </p:sp>
@@ -8921,7 +10384,7 @@
           <p:cNvPr id="3" name="Espaço Reservado para Conteúdo 2">
             <a:extLst>
               <a:ext uri="{FF2B5EF4-FFF2-40B4-BE49-F238E27FC236}">
-                <a16:creationId xmlns:a16="http://schemas.microsoft.com/office/drawing/2014/main" id="{D3540114-B30B-4AD7-8788-3EDAD8A70546}"/>
+                <a16:creationId xmlns:a16="http://schemas.microsoft.com/office/drawing/2014/main" id="{F865254E-672E-4AEB-98A8-B739B86EBAC5}"/>
               </a:ext>
             </a:extLst>
           </p:cNvPr>
@@ -8937,7 +10400,37 @@
           <a:bodyPr/>
           <a:lstStyle/>
           <a:p>
+            <a:r>
+              <a:rPr lang="pt-BR" dirty="0"/>
+              <a:t>Especifico para cada curso, impossibilidade de outros cursos possuírem o acesso;</a:t>
+            </a:r>
+          </a:p>
+          <a:p>
             <a:endParaRPr lang="pt-BR" dirty="0"/>
+          </a:p>
+          <a:p>
+            <a:r>
+              <a:rPr lang="pt-BR" dirty="0"/>
+              <a:t>Maior interação com outros anos do curso e auxilio de monitoria; </a:t>
+            </a:r>
+          </a:p>
+          <a:p>
+            <a:endParaRPr lang="pt-BR" dirty="0"/>
+          </a:p>
+          <a:p>
+            <a:r>
+              <a:rPr lang="pt-BR" dirty="0"/>
+              <a:t>Baseado em dúvidas e dificuldades , resultando em perguntas	       respostas ;</a:t>
+            </a:r>
+          </a:p>
+          <a:p>
+            <a:endParaRPr lang="pt-BR" dirty="0"/>
+          </a:p>
+          <a:p>
+            <a:r>
+              <a:rPr lang="pt-BR" dirty="0"/>
+              <a:t>Avaliação acerca da resposta dada,            ou           ;</a:t>
+            </a:r>
           </a:p>
         </p:txBody>
       </p:sp>
@@ -8946,7 +10439,7 @@
           <p:cNvPr id="4" name="CaixaDeTexto 3">
             <a:extLst>
               <a:ext uri="{FF2B5EF4-FFF2-40B4-BE49-F238E27FC236}">
-                <a16:creationId xmlns:a16="http://schemas.microsoft.com/office/drawing/2014/main" id="{945F647F-BA66-4644-9154-BEF0CCB6E0D0}"/>
+                <a16:creationId xmlns:a16="http://schemas.microsoft.com/office/drawing/2014/main" id="{1BDA66C8-F2E1-4679-8441-91AE36E48203}"/>
               </a:ext>
             </a:extLst>
           </p:cNvPr>
@@ -8955,7 +10448,7 @@
         </p:nvSpPr>
         <p:spPr>
           <a:xfrm>
-            <a:off x="5592418" y="5393635"/>
+            <a:off x="5700160" y="5287974"/>
             <a:ext cx="5804452" cy="1246495"/>
           </a:xfrm>
           <a:prstGeom prst="rect">
@@ -9060,10 +10553,128 @@
           </a:p>
         </p:txBody>
       </p:sp>
+      <p:sp>
+        <p:nvSpPr>
+          <p:cNvPr id="5" name="Seta: para a Direita 4">
+            <a:extLst>
+              <a:ext uri="{FF2B5EF4-FFF2-40B4-BE49-F238E27FC236}">
+                <a16:creationId xmlns:a16="http://schemas.microsoft.com/office/drawing/2014/main" id="{2267BA4E-C971-4751-B33E-6F4C6258C892}"/>
+              </a:ext>
+            </a:extLst>
+          </p:cNvPr>
+          <p:cNvSpPr/>
+          <p:nvPr/>
+        </p:nvSpPr>
+        <p:spPr>
+          <a:xfrm>
+            <a:off x="10173170" y="4049291"/>
+            <a:ext cx="886170" cy="238539"/>
+          </a:xfrm>
+          <a:prstGeom prst="rightArrow">
+            <a:avLst/>
+          </a:prstGeom>
+        </p:spPr>
+        <p:style>
+          <a:lnRef idx="2">
+            <a:schemeClr val="accent1">
+              <a:shade val="50000"/>
+            </a:schemeClr>
+          </a:lnRef>
+          <a:fillRef idx="1">
+            <a:schemeClr val="accent1"/>
+          </a:fillRef>
+          <a:effectRef idx="0">
+            <a:schemeClr val="accent1"/>
+          </a:effectRef>
+          <a:fontRef idx="minor">
+            <a:schemeClr val="lt1"/>
+          </a:fontRef>
+        </p:style>
+        <p:txBody>
+          <a:bodyPr rtlCol="0" anchor="ctr"/>
+          <a:lstStyle/>
+          <a:p>
+            <a:pPr algn="ctr"/>
+            <a:endParaRPr lang="pt-BR"/>
+          </a:p>
+        </p:txBody>
+      </p:sp>
+      <p:pic>
+        <p:nvPicPr>
+          <p:cNvPr id="7" name="Gráfico 6" descr="Sinal de Polegar para Cima">
+            <a:extLst>
+              <a:ext uri="{FF2B5EF4-FFF2-40B4-BE49-F238E27FC236}">
+                <a16:creationId xmlns:a16="http://schemas.microsoft.com/office/drawing/2014/main" id="{E9940B1E-548F-4700-8B4D-3F067F5B5DAA}"/>
+              </a:ext>
+            </a:extLst>
+          </p:cNvPr>
+          <p:cNvPicPr>
+            <a:picLocks noChangeAspect="1"/>
+          </p:cNvPicPr>
+          <p:nvPr/>
+        </p:nvPicPr>
+        <p:blipFill>
+          <a:blip r:embed="rId2">
+            <a:extLst>
+              <a:ext uri="{96DAC541-7B7A-43D3-8B79-37D633B846F1}">
+                <asvg:svgBlip xmlns:asvg="http://schemas.microsoft.com/office/drawing/2016/SVG/main" r:embed="rId3"/>
+              </a:ext>
+            </a:extLst>
+          </a:blip>
+          <a:stretch>
+            <a:fillRect/>
+          </a:stretch>
+        </p:blipFill>
+        <p:spPr>
+          <a:xfrm>
+            <a:off x="7282249" y="4830055"/>
+            <a:ext cx="648730" cy="648730"/>
+          </a:xfrm>
+          <a:prstGeom prst="rect">
+            <a:avLst/>
+          </a:prstGeom>
+        </p:spPr>
+      </p:pic>
+      <p:pic>
+        <p:nvPicPr>
+          <p:cNvPr id="10" name="Gráfico 9" descr="Sinal de Polegar para Cima">
+            <a:extLst>
+              <a:ext uri="{FF2B5EF4-FFF2-40B4-BE49-F238E27FC236}">
+                <a16:creationId xmlns:a16="http://schemas.microsoft.com/office/drawing/2014/main" id="{B66CE761-4D58-4813-A015-4A671891F412}"/>
+              </a:ext>
+            </a:extLst>
+          </p:cNvPr>
+          <p:cNvPicPr>
+            <a:picLocks noChangeAspect="1"/>
+          </p:cNvPicPr>
+          <p:nvPr/>
+        </p:nvPicPr>
+        <p:blipFill>
+          <a:blip r:embed="rId2">
+            <a:extLst>
+              <a:ext uri="{96DAC541-7B7A-43D3-8B79-37D633B846F1}">
+                <asvg:svgBlip xmlns:asvg="http://schemas.microsoft.com/office/drawing/2016/SVG/main" r:embed="rId3"/>
+              </a:ext>
+            </a:extLst>
+          </a:blip>
+          <a:stretch>
+            <a:fillRect/>
+          </a:stretch>
+        </p:blipFill>
+        <p:spPr>
+          <a:xfrm rot="10800000">
+            <a:off x="8278021" y="4830055"/>
+            <a:ext cx="648730" cy="648730"/>
+          </a:xfrm>
+          <a:prstGeom prst="rect">
+            <a:avLst/>
+          </a:prstGeom>
+        </p:spPr>
+      </p:pic>
     </p:spTree>
     <p:extLst>
       <p:ext uri="{BB962C8B-B14F-4D97-AF65-F5344CB8AC3E}">
-        <p14:creationId xmlns:p14="http://schemas.microsoft.com/office/powerpoint/2010/main" val="2277022165"/>
+        <p14:creationId xmlns:p14="http://schemas.microsoft.com/office/powerpoint/2010/main" val="3370890150"/>
       </p:ext>
     </p:extLst>
   </p:cSld>
@@ -9092,38 +10703,10 @@
       </p:grpSpPr>
       <p:sp>
         <p:nvSpPr>
-          <p:cNvPr id="2" name="Título 1">
-            <a:extLst>
-              <a:ext uri="{FF2B5EF4-FFF2-40B4-BE49-F238E27FC236}">
-                <a16:creationId xmlns:a16="http://schemas.microsoft.com/office/drawing/2014/main" id="{9B03386C-371B-4B33-834C-6B30C0A02F54}"/>
-              </a:ext>
-            </a:extLst>
-          </p:cNvPr>
-          <p:cNvSpPr>
-            <a:spLocks noGrp="1"/>
-          </p:cNvSpPr>
-          <p:nvPr>
-            <p:ph type="title"/>
-          </p:nvPr>
-        </p:nvSpPr>
-        <p:spPr/>
-        <p:txBody>
-          <a:bodyPr/>
-          <a:lstStyle/>
-          <a:p>
-            <a:r>
-              <a:rPr lang="pt-BR" dirty="0"/>
-              <a:t>Final </a:t>
-            </a:r>
-          </a:p>
-        </p:txBody>
-      </p:sp>
-      <p:sp>
-        <p:nvSpPr>
           <p:cNvPr id="3" name="Espaço Reservado para Conteúdo 2">
             <a:extLst>
               <a:ext uri="{FF2B5EF4-FFF2-40B4-BE49-F238E27FC236}">
-                <a16:creationId xmlns:a16="http://schemas.microsoft.com/office/drawing/2014/main" id="{D7C0EA3C-4273-4753-851A-3AA62D40B102}"/>
+                <a16:creationId xmlns:a16="http://schemas.microsoft.com/office/drawing/2014/main" id="{E2F9288C-23B0-46F4-A52E-216A953BC09D}"/>
               </a:ext>
             </a:extLst>
           </p:cNvPr>
@@ -9134,19 +10717,165 @@
             <p:ph idx="1"/>
           </p:nvPr>
         </p:nvSpPr>
-        <p:spPr/>
+        <p:spPr>
+          <a:xfrm>
+            <a:off x="2502715" y="664919"/>
+            <a:ext cx="8915400" cy="5389892"/>
+          </a:xfrm>
+        </p:spPr>
         <p:txBody>
           <a:bodyPr/>
           <a:lstStyle/>
           <a:p>
-            <a:endParaRPr lang="pt-BR"/>
-          </a:p>
-        </p:txBody>
-      </p:sp>
+            <a:endParaRPr lang="pt-BR" dirty="0"/>
+          </a:p>
+          <a:p>
+            <a:endParaRPr lang="pt-BR" dirty="0"/>
+          </a:p>
+          <a:p>
+            <a:r>
+              <a:rPr lang="pt-BR" dirty="0"/>
+              <a:t>Benefícios sobre a avaliação, quanto mais 		o aluno receber,             e estiver com o selo de           pelo professor ou o responsável da monitoria </a:t>
+            </a:r>
+          </a:p>
+          <a:p>
+            <a:pPr marL="0" indent="0">
+              <a:buNone/>
+            </a:pPr>
+            <a:r>
+              <a:rPr lang="pt-BR" dirty="0"/>
+              <a:t>ao final do semestre, um “prêmio” baseado em desconto de mensalidade ou desconto de eventos da faculdade;</a:t>
+            </a:r>
+          </a:p>
+          <a:p>
+            <a:pPr marL="0" indent="0">
+              <a:buNone/>
+            </a:pPr>
+            <a:endParaRPr lang="pt-BR" dirty="0"/>
+          </a:p>
+          <a:p>
+            <a:r>
+              <a:rPr lang="pt-BR" dirty="0"/>
+              <a:t>Só depende do acúmulos de acertos; </a:t>
+            </a:r>
+          </a:p>
+          <a:p>
+            <a:endParaRPr lang="pt-BR" dirty="0"/>
+          </a:p>
+          <a:p>
+            <a:r>
+              <a:rPr lang="pt-BR" dirty="0"/>
+              <a:t>Incluindo opções postagem de vídeos, arquivos e anexos para ajuda ; </a:t>
+            </a:r>
+          </a:p>
+          <a:p>
+            <a:endParaRPr lang="pt-BR" dirty="0"/>
+          </a:p>
+          <a:p>
+            <a:r>
+              <a:rPr lang="pt-BR" dirty="0"/>
+              <a:t>Totalmente reescrito, interpretado para mobile e web;</a:t>
+            </a:r>
+          </a:p>
+          <a:p>
+            <a:endParaRPr lang="pt-BR" dirty="0"/>
+          </a:p>
+          <a:p>
+            <a:r>
+              <a:rPr lang="pt-BR" dirty="0"/>
+              <a:t>Sem dificuldades para acesso; </a:t>
+            </a:r>
+          </a:p>
+          <a:p>
+            <a:pPr marL="0" indent="0">
+              <a:buNone/>
+            </a:pPr>
+            <a:endParaRPr lang="pt-BR" dirty="0"/>
+          </a:p>
+          <a:p>
+            <a:endParaRPr lang="pt-BR" dirty="0"/>
+          </a:p>
+          <a:p>
+            <a:endParaRPr lang="pt-BR" dirty="0"/>
+          </a:p>
+        </p:txBody>
+      </p:sp>
+      <p:pic>
+        <p:nvPicPr>
+          <p:cNvPr id="4" name="Gráfico 3" descr="Sinal de Polegar para Cima">
+            <a:extLst>
+              <a:ext uri="{FF2B5EF4-FFF2-40B4-BE49-F238E27FC236}">
+                <a16:creationId xmlns:a16="http://schemas.microsoft.com/office/drawing/2014/main" id="{039163D9-890F-4E05-A294-7989BCE4EB20}"/>
+              </a:ext>
+            </a:extLst>
+          </p:cNvPr>
+          <p:cNvPicPr>
+            <a:picLocks noChangeAspect="1"/>
+          </p:cNvPicPr>
+          <p:nvPr/>
+        </p:nvPicPr>
+        <p:blipFill>
+          <a:blip r:embed="rId2">
+            <a:extLst>
+              <a:ext uri="{96DAC541-7B7A-43D3-8B79-37D633B846F1}">
+                <asvg:svgBlip xmlns:asvg="http://schemas.microsoft.com/office/drawing/2016/SVG/main" r:embed="rId3"/>
+              </a:ext>
+            </a:extLst>
+          </a:blip>
+          <a:stretch>
+            <a:fillRect/>
+          </a:stretch>
+        </p:blipFill>
+        <p:spPr>
+          <a:xfrm>
+            <a:off x="7788876" y="1200665"/>
+            <a:ext cx="648730" cy="648730"/>
+          </a:xfrm>
+          <a:prstGeom prst="rect">
+            <a:avLst/>
+          </a:prstGeom>
+        </p:spPr>
+      </p:pic>
+      <p:pic>
+        <p:nvPicPr>
+          <p:cNvPr id="10" name="Gráfico 9" descr="Marca de seleção">
+            <a:extLst>
+              <a:ext uri="{FF2B5EF4-FFF2-40B4-BE49-F238E27FC236}">
+                <a16:creationId xmlns:a16="http://schemas.microsoft.com/office/drawing/2014/main" id="{524D919F-6121-491A-8E24-48D0F33202F4}"/>
+              </a:ext>
+            </a:extLst>
+          </p:cNvPr>
+          <p:cNvPicPr>
+            <a:picLocks noChangeAspect="1"/>
+          </p:cNvPicPr>
+          <p:nvPr/>
+        </p:nvPicPr>
+        <p:blipFill>
+          <a:blip r:embed="rId4">
+            <a:extLst>
+              <a:ext uri="{96DAC541-7B7A-43D3-8B79-37D633B846F1}">
+                <asvg:svgBlip xmlns:asvg="http://schemas.microsoft.com/office/drawing/2016/SVG/main" r:embed="rId5"/>
+              </a:ext>
+            </a:extLst>
+          </a:blip>
+          <a:stretch>
+            <a:fillRect/>
+          </a:stretch>
+        </p:blipFill>
+        <p:spPr>
+          <a:xfrm>
+            <a:off x="5589374" y="1669192"/>
+            <a:ext cx="533399" cy="533399"/>
+          </a:xfrm>
+          <a:prstGeom prst="rect">
+            <a:avLst/>
+          </a:prstGeom>
+        </p:spPr>
+      </p:pic>
     </p:spTree>
     <p:extLst>
       <p:ext uri="{BB962C8B-B14F-4D97-AF65-F5344CB8AC3E}">
-        <p14:creationId xmlns:p14="http://schemas.microsoft.com/office/powerpoint/2010/main" val="3584756027"/>
+        <p14:creationId xmlns:p14="http://schemas.microsoft.com/office/powerpoint/2010/main" val="258447324"/>
       </p:ext>
     </p:extLst>
   </p:cSld>

--- a/relatorio.pptx
+++ b/relatorio.pptx
@@ -10063,125 +10063,6 @@
           </a:p>
         </p:txBody>
       </p:sp>
-      <p:sp>
-        <p:nvSpPr>
-          <p:cNvPr id="4" name="CaixaDeTexto 3">
-            <a:extLst>
-              <a:ext uri="{FF2B5EF4-FFF2-40B4-BE49-F238E27FC236}">
-                <a16:creationId xmlns:a16="http://schemas.microsoft.com/office/drawing/2014/main" id="{D3F02CFD-6DC4-4D11-9A89-F1CD90CA41B4}"/>
-              </a:ext>
-            </a:extLst>
-          </p:cNvPr>
-          <p:cNvSpPr txBox="1"/>
-          <p:nvPr/>
-        </p:nvSpPr>
-        <p:spPr>
-          <a:xfrm>
-            <a:off x="6061974" y="4893327"/>
-            <a:ext cx="5804452" cy="1246495"/>
-          </a:xfrm>
-          <a:prstGeom prst="rect">
-            <a:avLst/>
-          </a:prstGeom>
-          <a:noFill/>
-        </p:spPr>
-        <p:txBody>
-          <a:bodyPr wrap="square" rtlCol="0">
-            <a:spAutoFit/>
-          </a:bodyPr>
-          <a:lstStyle/>
-          <a:p>
-            <a:pPr algn="r"/>
-            <a:r>
-              <a:rPr lang="pt-BR" sz="2500" dirty="0">
-                <a:solidFill>
-                  <a:schemeClr val="bg1">
-                    <a:lumMod val="85000"/>
-                  </a:schemeClr>
-                </a:solidFill>
-                <a:latin typeface="Arial" panose="020B0604020202020204" pitchFamily="34" charset="0"/>
-                <a:cs typeface="Arial" panose="020B0604020202020204" pitchFamily="34" charset="0"/>
-              </a:rPr>
-              <a:t>Ana Laura </a:t>
-            </a:r>
-            <a:r>
-              <a:rPr lang="pt-BR" sz="2500" dirty="0" err="1">
-                <a:solidFill>
-                  <a:schemeClr val="bg1">
-                    <a:lumMod val="85000"/>
-                  </a:schemeClr>
-                </a:solidFill>
-                <a:latin typeface="Arial" panose="020B0604020202020204" pitchFamily="34" charset="0"/>
-                <a:cs typeface="Arial" panose="020B0604020202020204" pitchFamily="34" charset="0"/>
-              </a:rPr>
-              <a:t>Alvino</a:t>
-            </a:r>
-            <a:r>
-              <a:rPr lang="pt-BR" sz="2500" dirty="0">
-                <a:solidFill>
-                  <a:schemeClr val="bg1">
-                    <a:lumMod val="85000"/>
-                  </a:schemeClr>
-                </a:solidFill>
-                <a:latin typeface="Arial" panose="020B0604020202020204" pitchFamily="34" charset="0"/>
-                <a:cs typeface="Arial" panose="020B0604020202020204" pitchFamily="34" charset="0"/>
-              </a:rPr>
-              <a:t> de Souza</a:t>
-            </a:r>
-          </a:p>
-          <a:p>
-            <a:pPr algn="r"/>
-            <a:r>
-              <a:rPr lang="pt-BR" sz="2500" dirty="0">
-                <a:solidFill>
-                  <a:schemeClr val="bg1">
-                    <a:lumMod val="85000"/>
-                  </a:schemeClr>
-                </a:solidFill>
-                <a:latin typeface="Arial" panose="020B0604020202020204" pitchFamily="34" charset="0"/>
-                <a:cs typeface="Arial" panose="020B0604020202020204" pitchFamily="34" charset="0"/>
-              </a:rPr>
-              <a:t>Bruno Ferreira </a:t>
-            </a:r>
-            <a:r>
-              <a:rPr lang="pt-BR" sz="2500" dirty="0" err="1">
-                <a:solidFill>
-                  <a:schemeClr val="bg1">
-                    <a:lumMod val="85000"/>
-                  </a:schemeClr>
-                </a:solidFill>
-                <a:latin typeface="Arial" panose="020B0604020202020204" pitchFamily="34" charset="0"/>
-                <a:cs typeface="Arial" panose="020B0604020202020204" pitchFamily="34" charset="0"/>
-              </a:rPr>
-              <a:t>Badoco</a:t>
-            </a:r>
-            <a:endParaRPr lang="pt-BR" sz="2500" dirty="0">
-              <a:solidFill>
-                <a:schemeClr val="bg1">
-                  <a:lumMod val="85000"/>
-                </a:schemeClr>
-              </a:solidFill>
-              <a:latin typeface="Arial" panose="020B0604020202020204" pitchFamily="34" charset="0"/>
-              <a:cs typeface="Arial" panose="020B0604020202020204" pitchFamily="34" charset="0"/>
-            </a:endParaRPr>
-          </a:p>
-          <a:p>
-            <a:pPr algn="r"/>
-            <a:r>
-              <a:rPr lang="pt-BR" sz="2500" dirty="0">
-                <a:solidFill>
-                  <a:schemeClr val="bg1">
-                    <a:lumMod val="85000"/>
-                  </a:schemeClr>
-                </a:solidFill>
-                <a:latin typeface="Arial" panose="020B0604020202020204" pitchFamily="34" charset="0"/>
-                <a:cs typeface="Arial" panose="020B0604020202020204" pitchFamily="34" charset="0"/>
-              </a:rPr>
-              <a:t>Eduardo Cintra dos Santos</a:t>
-            </a:r>
-          </a:p>
-        </p:txBody>
-      </p:sp>
     </p:spTree>
     <p:extLst>
       <p:ext uri="{BB962C8B-B14F-4D97-AF65-F5344CB8AC3E}">
